--- a/presentation.pptx
+++ b/presentation.pptx
@@ -2042,13 +2042,13 @@
     </pc:docChg>
   </pc:docChgLst>
   <pc:docChgLst>
-    <pc:chgData name="邱晨曦" userId="2835ca6ba4230f20" providerId="LiveId" clId="{AD9EB2E2-D2D7-4AE1-B785-FCA0E14A68F3}"/>
-  </pc:docChgLst>
-  <pc:docChgLst>
     <pc:chgData name="Chenxi Qiu" userId="2835ca6ba4230f20" providerId="LiveId" clId="{AD9EB2E2-D2D7-4AE1-B785-FCA0E14A68F3}"/>
   </pc:docChgLst>
   <pc:docChgLst>
     <pc:chgData name="Chenxi Qiu" userId="2835ca6ba4230f20" providerId="LiveId" clId="{F793DC24-2C81-4B49-8B25-55ABC7D1497A}"/>
+  </pc:docChgLst>
+  <pc:docChgLst>
+    <pc:chgData name="邱晨曦" userId="2835ca6ba4230f20" providerId="LiveId" clId="{AD9EB2E2-D2D7-4AE1-B785-FCA0E14A68F3}"/>
   </pc:docChgLst>
 </pc:chgInfo>
 </file>
@@ -2294,7 +2294,7 @@
           <a:p>
             <a:fld id="{C61E236C-ED45-4AC6-9CA2-4EC327F175CB}" type="slidenum">
               <a:rPr lang="en-GB" smtClean="0"/>
-              <a:t>‹#›</a:t>
+              <a:t>‹nr.›</a:t>
             </a:fld>
             <a:endParaRPr lang="en-GB"/>
           </a:p>
@@ -4118,7 +4118,7 @@
           <a:p>
             <a:fld id="{B0CDDA0C-7CB0-4FC8-AC69-DD30E68A80BE}" type="slidenum">
               <a:rPr lang="en-GB" smtClean="0"/>
-              <a:t>‹#›</a:t>
+              <a:t>‹nr.›</a:t>
             </a:fld>
             <a:endParaRPr lang="en-GB"/>
           </a:p>
@@ -4318,7 +4318,7 @@
           <a:p>
             <a:fld id="{B0CDDA0C-7CB0-4FC8-AC69-DD30E68A80BE}" type="slidenum">
               <a:rPr lang="en-GB" smtClean="0"/>
-              <a:t>‹#›</a:t>
+              <a:t>‹nr.›</a:t>
             </a:fld>
             <a:endParaRPr lang="en-GB"/>
           </a:p>
@@ -4528,7 +4528,7 @@
           <a:p>
             <a:fld id="{B0CDDA0C-7CB0-4FC8-AC69-DD30E68A80BE}" type="slidenum">
               <a:rPr lang="en-GB" smtClean="0"/>
-              <a:t>‹#›</a:t>
+              <a:t>‹nr.›</a:t>
             </a:fld>
             <a:endParaRPr lang="en-GB"/>
           </a:p>
@@ -4728,7 +4728,7 @@
           <a:p>
             <a:fld id="{B0CDDA0C-7CB0-4FC8-AC69-DD30E68A80BE}" type="slidenum">
               <a:rPr lang="en-GB" smtClean="0"/>
-              <a:t>‹#›</a:t>
+              <a:t>‹nr.›</a:t>
             </a:fld>
             <a:endParaRPr lang="en-GB"/>
           </a:p>
@@ -5004,7 +5004,7 @@
           <a:p>
             <a:fld id="{B0CDDA0C-7CB0-4FC8-AC69-DD30E68A80BE}" type="slidenum">
               <a:rPr lang="en-GB" smtClean="0"/>
-              <a:t>‹#›</a:t>
+              <a:t>‹nr.›</a:t>
             </a:fld>
             <a:endParaRPr lang="en-GB"/>
           </a:p>
@@ -5272,7 +5272,7 @@
           <a:p>
             <a:fld id="{B0CDDA0C-7CB0-4FC8-AC69-DD30E68A80BE}" type="slidenum">
               <a:rPr lang="en-GB" smtClean="0"/>
-              <a:t>‹#›</a:t>
+              <a:t>‹nr.›</a:t>
             </a:fld>
             <a:endParaRPr lang="en-GB"/>
           </a:p>
@@ -5687,7 +5687,7 @@
           <a:p>
             <a:fld id="{B0CDDA0C-7CB0-4FC8-AC69-DD30E68A80BE}" type="slidenum">
               <a:rPr lang="en-GB" smtClean="0"/>
-              <a:t>‹#›</a:t>
+              <a:t>‹nr.›</a:t>
             </a:fld>
             <a:endParaRPr lang="en-GB"/>
           </a:p>
@@ -5829,7 +5829,7 @@
           <a:p>
             <a:fld id="{B0CDDA0C-7CB0-4FC8-AC69-DD30E68A80BE}" type="slidenum">
               <a:rPr lang="en-GB" smtClean="0"/>
-              <a:t>‹#›</a:t>
+              <a:t>‹nr.›</a:t>
             </a:fld>
             <a:endParaRPr lang="en-GB"/>
           </a:p>
@@ -5942,7 +5942,7 @@
           <a:p>
             <a:fld id="{B0CDDA0C-7CB0-4FC8-AC69-DD30E68A80BE}" type="slidenum">
               <a:rPr lang="en-GB" smtClean="0"/>
-              <a:t>‹#›</a:t>
+              <a:t>‹nr.›</a:t>
             </a:fld>
             <a:endParaRPr lang="en-GB"/>
           </a:p>
@@ -6255,7 +6255,7 @@
           <a:p>
             <a:fld id="{B0CDDA0C-7CB0-4FC8-AC69-DD30E68A80BE}" type="slidenum">
               <a:rPr lang="en-GB" smtClean="0"/>
-              <a:t>‹#›</a:t>
+              <a:t>‹nr.›</a:t>
             </a:fld>
             <a:endParaRPr lang="en-GB"/>
           </a:p>
@@ -6548,7 +6548,7 @@
           <a:p>
             <a:fld id="{B0CDDA0C-7CB0-4FC8-AC69-DD30E68A80BE}" type="slidenum">
               <a:rPr lang="en-GB" smtClean="0"/>
-              <a:t>‹#›</a:t>
+              <a:t>‹nr.›</a:t>
             </a:fld>
             <a:endParaRPr lang="en-GB"/>
           </a:p>
@@ -6830,7 +6830,7 @@
           <a:p>
             <a:fld id="{B0CDDA0C-7CB0-4FC8-AC69-DD30E68A80BE}" type="slidenum">
               <a:rPr lang="en-GB" smtClean="0"/>
-              <a:t>‹#›</a:t>
+              <a:t>‹nr.›</a:t>
             </a:fld>
             <a:endParaRPr lang="en-GB"/>
           </a:p>
@@ -7261,7 +7261,7 @@
                 </a:solidFill>
                 <a:latin typeface="+mj-lt"/>
               </a:rPr>
-              <a:t>28 May, 2018</a:t>
+              <a:t>November 1st, 2018</a:t>
             </a:r>
           </a:p>
         </p:txBody>
@@ -7288,13 +7288,13 @@
               </a:ext>
             </a:extLst>
           </a:blip>
-          <a:srcRect l="63024"/>
+          <a:srcRect l="43908"/>
           <a:stretch/>
         </p:blipFill>
         <p:spPr>
           <a:xfrm>
-            <a:off x="-98770" y="0"/>
-            <a:ext cx="4508090" cy="6858000"/>
+            <a:off x="-1452282" y="0"/>
+            <a:ext cx="6838757" cy="6858000"/>
           </a:xfrm>
           <a:prstGeom prst="rect">
             <a:avLst/>
@@ -7331,8 +7331,8 @@
           <a:chExt cx="0" cy="0"/>
         </a:xfrm>
       </p:grpSpPr>
-      <mc:AlternateContent xmlns:mc="http://schemas.openxmlformats.org/markup-compatibility/2006">
-        <mc:Choice xmlns:a14="http://schemas.microsoft.com/office/drawing/2010/main" Requires="a14">
+      <mc:AlternateContent xmlns:mc="http://schemas.openxmlformats.org/markup-compatibility/2006" xmlns:a14="http://schemas.microsoft.com/office/drawing/2010/main">
+        <mc:Choice Requires="a14">
           <p:sp>
             <p:nvSpPr>
               <p:cNvPr id="2" name="Title 1">
@@ -7471,7 +7471,7 @@
             </p:txBody>
           </p:sp>
         </mc:Choice>
-        <mc:Fallback>
+        <mc:Fallback xmlns="">
           <p:sp>
             <p:nvSpPr>
               <p:cNvPr id="2" name="Title 1">
@@ -8654,8 +8654,8 @@
           <a:chExt cx="0" cy="0"/>
         </a:xfrm>
       </p:grpSpPr>
-      <mc:AlternateContent xmlns:mc="http://schemas.openxmlformats.org/markup-compatibility/2006">
-        <mc:Choice xmlns:a14="http://schemas.microsoft.com/office/drawing/2010/main" Requires="a14">
+      <mc:AlternateContent xmlns:mc="http://schemas.openxmlformats.org/markup-compatibility/2006" xmlns:a14="http://schemas.microsoft.com/office/drawing/2010/main">
+        <mc:Choice Requires="a14">
           <p:sp>
             <p:nvSpPr>
               <p:cNvPr id="2" name="Title 1">
@@ -8888,7 +8888,7 @@
             </p:txBody>
           </p:sp>
         </mc:Choice>
-        <mc:Fallback>
+        <mc:Fallback xmlns="">
           <p:sp>
             <p:nvSpPr>
               <p:cNvPr id="2" name="Title 1">
@@ -9363,8 +9363,8 @@
           </p:txBody>
         </p:sp>
       </p:grpSp>
-      <mc:AlternateContent xmlns:mc="http://schemas.openxmlformats.org/markup-compatibility/2006">
-        <mc:Choice xmlns:a14="http://schemas.microsoft.com/office/drawing/2010/main" Requires="a14">
+      <mc:AlternateContent xmlns:mc="http://schemas.openxmlformats.org/markup-compatibility/2006" xmlns:a14="http://schemas.microsoft.com/office/drawing/2010/main">
+        <mc:Choice Requires="a14">
           <p:sp>
             <p:nvSpPr>
               <p:cNvPr id="25" name="Tijdelijke aanduiding voor inhoud 2">
@@ -9493,7 +9493,7 @@
             </p:txBody>
           </p:sp>
         </mc:Choice>
-        <mc:Fallback>
+        <mc:Fallback xmlns="">
           <p:sp>
             <p:nvSpPr>
               <p:cNvPr id="25" name="Tijdelijke aanduiding voor inhoud 2">
@@ -9879,8 +9879,8 @@
           </a:prstGeom>
         </p:spPr>
       </p:pic>
-      <mc:AlternateContent xmlns:mc="http://schemas.openxmlformats.org/markup-compatibility/2006">
-        <mc:Choice xmlns:a14="http://schemas.microsoft.com/office/drawing/2010/main" Requires="a14">
+      <mc:AlternateContent xmlns:mc="http://schemas.openxmlformats.org/markup-compatibility/2006" xmlns:a14="http://schemas.microsoft.com/office/drawing/2010/main">
+        <mc:Choice Requires="a14">
           <p:sp>
             <p:nvSpPr>
               <p:cNvPr id="14" name="Tijdelijke aanduiding voor inhoud 2">
@@ -10273,7 +10273,7 @@
             </p:txBody>
           </p:sp>
         </mc:Choice>
-        <mc:Fallback>
+        <mc:Fallback xmlns="">
           <p:sp>
             <p:nvSpPr>
               <p:cNvPr id="14" name="Tijdelijke aanduiding voor inhoud 2">
@@ -10419,8 +10419,8 @@
         </p:nvSpPr>
         <p:spPr>
           <a:xfrm rot="7099967" flipH="1">
-            <a:off x="4296356" y="1401066"/>
-            <a:ext cx="280535" cy="2288719"/>
+            <a:off x="4715950" y="1150600"/>
+            <a:ext cx="280535" cy="3242123"/>
           </a:xfrm>
           <a:prstGeom prst="upArrow">
             <a:avLst/>
@@ -10464,9 +10464,9 @@
           <p:nvPr/>
         </p:nvSpPr>
         <p:spPr>
-          <a:xfrm rot="7035598">
-            <a:off x="4929016" y="1287429"/>
-            <a:ext cx="231378" cy="2241165"/>
+          <a:xfrm rot="9047424">
+            <a:off x="4471321" y="1825783"/>
+            <a:ext cx="231378" cy="2641460"/>
           </a:xfrm>
           <a:prstGeom prst="upArrow">
             <a:avLst/>
@@ -10829,23 +10829,15 @@
           <a:p>
             <a:r>
               <a:rPr lang="nl-NL" sz="2600" dirty="0"/>
-              <a:t>But </a:t>
+              <a:t>Smaller </a:t>
             </a:r>
             <a:r>
               <a:rPr lang="nl-NL" sz="2600" dirty="0" err="1"/>
-              <a:t>this</a:t>
+              <a:t>clouds</a:t>
             </a:r>
             <a:r>
               <a:rPr lang="nl-NL" sz="2600" dirty="0"/>
-              <a:t> </a:t>
-            </a:r>
-            <a:r>
-              <a:rPr lang="nl-NL" sz="2600" dirty="0" err="1"/>
-              <a:t>cloud</a:t>
-            </a:r>
-            <a:r>
-              <a:rPr lang="nl-NL" sz="2600" dirty="0"/>
-              <a:t> has </a:t>
+              <a:t> have </a:t>
             </a:r>
             <a:r>
               <a:rPr lang="nl-NL" sz="2600" dirty="0" err="1"/>
@@ -11988,8 +11980,8 @@
           </a:p>
         </p:txBody>
       </p:sp>
-      <mc:AlternateContent xmlns:mc="http://schemas.openxmlformats.org/markup-compatibility/2006">
-        <mc:Choice xmlns:a14="http://schemas.microsoft.com/office/drawing/2010/main" Requires="a14">
+      <mc:AlternateContent xmlns:mc="http://schemas.openxmlformats.org/markup-compatibility/2006" xmlns:a14="http://schemas.microsoft.com/office/drawing/2010/main">
+        <mc:Choice Requires="a14">
           <p:sp>
             <p:nvSpPr>
               <p:cNvPr id="5" name="TextBox 4">
@@ -12018,6 +12010,7 @@
               </a:bodyPr>
               <a:lstStyle/>
               <a:p>
+                <a:pPr/>
                 <a14:m>
                   <m:oMathPara xmlns:m="http://schemas.openxmlformats.org/officeDocument/2006/math">
                     <m:oMathParaPr>
@@ -12238,7 +12231,7 @@
             </p:txBody>
           </p:sp>
         </mc:Choice>
-        <mc:Fallback>
+        <mc:Fallback xmlns="">
           <p:sp>
             <p:nvSpPr>
               <p:cNvPr id="5" name="TextBox 4">
@@ -12558,7 +12551,7 @@
           </a:solidFill>
         </p:spPr>
         <p:txBody>
-          <a:bodyPr anchor="ctr" anchorCtr="0">
+          <a:bodyPr anchor="b" anchorCtr="0">
             <a:normAutofit/>
           </a:bodyPr>
           <a:lstStyle/>
@@ -12569,7 +12562,7 @@
               </a:lnSpc>
             </a:pPr>
             <a:r>
-              <a:rPr lang="en-GB" sz="4800" dirty="0">
+              <a:rPr lang="en-GB" sz="2800" dirty="0">
                 <a:solidFill>
                   <a:schemeClr val="bg1"/>
                 </a:solidFill>
@@ -12579,7 +12572,7 @@
               <a:t>Thank You for your attention! </a:t>
             </a:r>
             <a:br>
-              <a:rPr lang="en-GB" sz="4800" dirty="0">
+              <a:rPr lang="en-GB" sz="2800" dirty="0">
                 <a:solidFill>
                   <a:schemeClr val="bg1"/>
                 </a:solidFill>
@@ -12588,7 +12581,7 @@
               </a:rPr>
             </a:br>
             <a:r>
-              <a:rPr lang="en-GB" sz="4800" dirty="0">
+              <a:rPr lang="en-GB" sz="2800" dirty="0">
                 <a:solidFill>
                   <a:schemeClr val="bg1"/>
                 </a:solidFill>
@@ -12600,6 +12593,72 @@
           </a:p>
         </p:txBody>
       </p:sp>
+      <p:pic>
+        <p:nvPicPr>
+          <p:cNvPr id="3" name="Afbeelding 2">
+            <a:extLst>
+              <a:ext uri="{FF2B5EF4-FFF2-40B4-BE49-F238E27FC236}">
+                <a16:creationId xmlns:a16="http://schemas.microsoft.com/office/drawing/2014/main" id="{872206A2-73DB-4B0F-BAAD-8BE16E4AE34D}"/>
+              </a:ext>
+            </a:extLst>
+          </p:cNvPr>
+          <p:cNvPicPr>
+            <a:picLocks noChangeAspect="1"/>
+          </p:cNvPicPr>
+          <p:nvPr/>
+        </p:nvPicPr>
+        <p:blipFill>
+          <a:blip r:embed="rId3"/>
+          <a:stretch>
+            <a:fillRect/>
+          </a:stretch>
+        </p:blipFill>
+        <p:spPr>
+          <a:xfrm>
+            <a:off x="3174738" y="-177768"/>
+            <a:ext cx="5842521" cy="4320000"/>
+          </a:xfrm>
+          <a:prstGeom prst="rect">
+            <a:avLst/>
+          </a:prstGeom>
+        </p:spPr>
+      </p:pic>
+      <p:pic>
+        <p:nvPicPr>
+          <p:cNvPr id="4" name="Afbeelding 3">
+            <a:extLst>
+              <a:ext uri="{FF2B5EF4-FFF2-40B4-BE49-F238E27FC236}">
+                <a16:creationId xmlns:a16="http://schemas.microsoft.com/office/drawing/2014/main" id="{E313546B-7F74-44B6-8571-DE1A0953DCD0}"/>
+              </a:ext>
+            </a:extLst>
+          </p:cNvPr>
+          <p:cNvPicPr>
+            <a:picLocks noChangeAspect="1"/>
+          </p:cNvPicPr>
+          <p:nvPr/>
+        </p:nvPicPr>
+        <p:blipFill>
+          <a:blip r:embed="rId4">
+            <a:extLst>
+              <a:ext uri="{28A0092B-C50C-407E-A947-70E740481C1C}">
+                <a14:useLocalDpi xmlns:a14="http://schemas.microsoft.com/office/drawing/2010/main" val="0"/>
+              </a:ext>
+            </a:extLst>
+          </a:blip>
+          <a:stretch>
+            <a:fillRect/>
+          </a:stretch>
+        </p:blipFill>
+        <p:spPr>
+          <a:xfrm>
+            <a:off x="6314856" y="5395840"/>
+            <a:ext cx="1185283" cy="1346913"/>
+          </a:xfrm>
+          <a:prstGeom prst="rect">
+            <a:avLst/>
+          </a:prstGeom>
+        </p:spPr>
+      </p:pic>
     </p:spTree>
     <p:extLst>
       <p:ext uri="{BB962C8B-B14F-4D97-AF65-F5344CB8AC3E}">
@@ -12915,9 +12974,9 @@
           <p:nvPr/>
         </p:nvSpPr>
         <p:spPr>
-          <a:xfrm>
-            <a:off x="2424333" y="1286755"/>
-            <a:ext cx="2447777" cy="576212"/>
+          <a:xfrm flipH="1">
+            <a:off x="7319485" y="1291483"/>
+            <a:ext cx="2711205" cy="576212"/>
           </a:xfrm>
           <a:prstGeom prst="leftArrow">
             <a:avLst/>
@@ -12964,9 +13023,9 @@
           <p:nvPr/>
         </p:nvSpPr>
         <p:spPr>
-          <a:xfrm>
-            <a:off x="2424333" y="1897075"/>
-            <a:ext cx="2447777" cy="576212"/>
+          <a:xfrm flipH="1">
+            <a:off x="7319485" y="1901803"/>
+            <a:ext cx="2711205" cy="576212"/>
           </a:xfrm>
           <a:prstGeom prst="leftArrow">
             <a:avLst/>
@@ -13013,9 +13072,9 @@
           <p:nvPr/>
         </p:nvSpPr>
         <p:spPr>
-          <a:xfrm>
-            <a:off x="2424330" y="3178434"/>
-            <a:ext cx="2447777" cy="576212"/>
+          <a:xfrm flipH="1">
+            <a:off x="7319482" y="3183162"/>
+            <a:ext cx="2711205" cy="576212"/>
           </a:xfrm>
           <a:prstGeom prst="leftArrow">
             <a:avLst/>
@@ -13090,7 +13149,7 @@
                   </a:outerShdw>
                 </a:effectLst>
               </a:rPr>
-              <a:t>Sources</a:t>
+              <a:t>Sinks</a:t>
             </a:r>
             <a:endParaRPr lang="en-GB" dirty="0">
               <a:solidFill>
@@ -13148,7 +13207,7 @@
                   </a:outerShdw>
                 </a:effectLst>
               </a:rPr>
-              <a:t>Sinks</a:t>
+              <a:t>Sources</a:t>
             </a:r>
             <a:endParaRPr lang="en-GB" dirty="0">
               <a:solidFill>
@@ -13178,9 +13237,9 @@
           <p:nvPr/>
         </p:nvSpPr>
         <p:spPr>
-          <a:xfrm flipH="1">
-            <a:off x="7319888" y="1364763"/>
-            <a:ext cx="2320185" cy="601491"/>
+          <a:xfrm>
+            <a:off x="2212369" y="1304029"/>
+            <a:ext cx="2695362" cy="601491"/>
           </a:xfrm>
           <a:prstGeom prst="rightArrow">
             <a:avLst/>
@@ -13227,9 +13286,9 @@
           <p:nvPr/>
         </p:nvSpPr>
         <p:spPr>
-          <a:xfrm flipH="1">
-            <a:off x="7319889" y="1971992"/>
-            <a:ext cx="3785646" cy="601491"/>
+          <a:xfrm>
+            <a:off x="509941" y="1929709"/>
+            <a:ext cx="4397790" cy="601491"/>
           </a:xfrm>
           <a:prstGeom prst="rightArrow">
             <a:avLst/>
@@ -13276,9 +13335,9 @@
           <p:nvPr/>
         </p:nvSpPr>
         <p:spPr>
-          <a:xfrm>
-            <a:off x="2424332" y="2506405"/>
-            <a:ext cx="2447777" cy="576212"/>
+          <a:xfrm flipH="1">
+            <a:off x="7319484" y="2511133"/>
+            <a:ext cx="2711205" cy="576212"/>
           </a:xfrm>
           <a:prstGeom prst="leftArrow">
             <a:avLst/>
@@ -13325,9 +13384,9 @@
           <p:nvPr/>
         </p:nvSpPr>
         <p:spPr>
-          <a:xfrm flipH="1">
-            <a:off x="7319889" y="2573483"/>
-            <a:ext cx="2320186" cy="601491"/>
+          <a:xfrm>
+            <a:off x="2212371" y="2512749"/>
+            <a:ext cx="2695363" cy="601491"/>
           </a:xfrm>
           <a:prstGeom prst="rightArrow">
             <a:avLst/>
@@ -13374,9 +13433,9 @@
           <p:nvPr/>
         </p:nvSpPr>
         <p:spPr>
-          <a:xfrm>
-            <a:off x="2424329" y="3792979"/>
-            <a:ext cx="2447777" cy="576212"/>
+          <a:xfrm flipH="1">
+            <a:off x="7319481" y="3797707"/>
+            <a:ext cx="2711205" cy="576212"/>
           </a:xfrm>
           <a:prstGeom prst="leftArrow">
             <a:avLst/>
@@ -13423,9 +13482,9 @@
           <p:nvPr/>
         </p:nvSpPr>
         <p:spPr>
-          <a:xfrm>
-            <a:off x="2424324" y="4369191"/>
-            <a:ext cx="2447777" cy="576212"/>
+          <a:xfrm flipH="1">
+            <a:off x="7319476" y="4373919"/>
+            <a:ext cx="2711205" cy="576212"/>
           </a:xfrm>
           <a:prstGeom prst="leftArrow">
             <a:avLst/>
@@ -13472,9 +13531,9 @@
           <p:nvPr/>
         </p:nvSpPr>
         <p:spPr>
-          <a:xfrm flipH="1">
-            <a:off x="7319888" y="3792979"/>
-            <a:ext cx="2320185" cy="601491"/>
+          <a:xfrm>
+            <a:off x="2212369" y="3732245"/>
+            <a:ext cx="2695362" cy="601491"/>
           </a:xfrm>
           <a:prstGeom prst="rightArrow">
             <a:avLst/>
@@ -13521,9 +13580,9 @@
           <p:nvPr/>
         </p:nvSpPr>
         <p:spPr>
-          <a:xfrm flipH="1">
-            <a:off x="7319888" y="5661073"/>
-            <a:ext cx="2320186" cy="601491"/>
+          <a:xfrm>
+            <a:off x="2212370" y="5600339"/>
+            <a:ext cx="2695363" cy="601491"/>
           </a:xfrm>
           <a:prstGeom prst="rightArrow">
             <a:avLst/>
@@ -14257,41 +14316,6 @@
           </a:p>
         </p:txBody>
       </p:sp>
-      <p:sp>
-        <p:nvSpPr>
-          <p:cNvPr id="19" name="Tekstvak 32">
-            <a:extLst>
-              <a:ext uri="{FF2B5EF4-FFF2-40B4-BE49-F238E27FC236}">
-                <a16:creationId xmlns:a16="http://schemas.microsoft.com/office/drawing/2014/main" id="{D11852AF-B357-440B-ABF1-0A859588D625}"/>
-              </a:ext>
-            </a:extLst>
-          </p:cNvPr>
-          <p:cNvSpPr txBox="1"/>
-          <p:nvPr/>
-        </p:nvSpPr>
-        <p:spPr>
-          <a:xfrm>
-            <a:off x="4750452" y="1903014"/>
-            <a:ext cx="3297780" cy="784830"/>
-          </a:xfrm>
-          <a:prstGeom prst="rect">
-            <a:avLst/>
-          </a:prstGeom>
-          <a:noFill/>
-        </p:spPr>
-        <p:txBody>
-          <a:bodyPr wrap="square" rtlCol="0">
-            <a:spAutoFit/>
-          </a:bodyPr>
-          <a:lstStyle/>
-          <a:p>
-            <a:r>
-              <a:rPr lang="nl-NL" sz="1500" dirty="0"/>
-              <a:t>Parameterization based on  Rotstayn et al. (2000), between 0 and -38°C</a:t>
-            </a:r>
-          </a:p>
-        </p:txBody>
-      </p:sp>
     </p:spTree>
     <p:extLst>
       <p:ext uri="{BB962C8B-B14F-4D97-AF65-F5344CB8AC3E}">
@@ -14322,6 +14346,46 @@
           <a:chExt cx="0" cy="0"/>
         </a:xfrm>
       </p:grpSpPr>
+      <p:cxnSp>
+        <p:nvCxnSpPr>
+          <p:cNvPr id="6" name="Rechte verbindingslijn 5">
+            <a:extLst>
+              <a:ext uri="{FF2B5EF4-FFF2-40B4-BE49-F238E27FC236}">
+                <a16:creationId xmlns:a16="http://schemas.microsoft.com/office/drawing/2014/main" id="{0BE0E9C2-FDB4-4F4F-ACC6-4913329BDFF4}"/>
+              </a:ext>
+            </a:extLst>
+          </p:cNvPr>
+          <p:cNvCxnSpPr>
+            <a:cxnSpLocks/>
+            <a:endCxn id="19" idx="1"/>
+          </p:cNvCxnSpPr>
+          <p:nvPr/>
+        </p:nvCxnSpPr>
+        <p:spPr>
+          <a:xfrm flipV="1">
+            <a:off x="3092164" y="1282693"/>
+            <a:ext cx="2108585" cy="1365445"/>
+          </a:xfrm>
+          <a:prstGeom prst="line">
+            <a:avLst/>
+          </a:prstGeom>
+          <a:ln w="38100"/>
+        </p:spPr>
+        <p:style>
+          <a:lnRef idx="1">
+            <a:schemeClr val="accent1"/>
+          </a:lnRef>
+          <a:fillRef idx="0">
+            <a:schemeClr val="accent1"/>
+          </a:fillRef>
+          <a:effectRef idx="0">
+            <a:schemeClr val="accent1"/>
+          </a:effectRef>
+          <a:fontRef idx="minor">
+            <a:schemeClr val="tx1"/>
+          </a:fontRef>
+        </p:style>
+      </p:cxnSp>
       <p:pic>
         <p:nvPicPr>
           <p:cNvPr id="13" name="Afbeelding 20">
@@ -15126,6 +15190,41 @@
           </a:prstGeom>
         </p:spPr>
       </p:pic>
+      <p:sp>
+        <p:nvSpPr>
+          <p:cNvPr id="19" name="Tekstvak 32">
+            <a:extLst>
+              <a:ext uri="{FF2B5EF4-FFF2-40B4-BE49-F238E27FC236}">
+                <a16:creationId xmlns:a16="http://schemas.microsoft.com/office/drawing/2014/main" id="{862AB579-0515-4A2D-ABFA-7355B920782F}"/>
+              </a:ext>
+            </a:extLst>
+          </p:cNvPr>
+          <p:cNvSpPr txBox="1"/>
+          <p:nvPr/>
+        </p:nvSpPr>
+        <p:spPr>
+          <a:xfrm>
+            <a:off x="5200749" y="890278"/>
+            <a:ext cx="3297780" cy="784830"/>
+          </a:xfrm>
+          <a:prstGeom prst="rect">
+            <a:avLst/>
+          </a:prstGeom>
+          <a:noFill/>
+        </p:spPr>
+        <p:txBody>
+          <a:bodyPr wrap="square" rtlCol="0">
+            <a:spAutoFit/>
+          </a:bodyPr>
+          <a:lstStyle/>
+          <a:p>
+            <a:r>
+              <a:rPr lang="nl-NL" sz="1500" dirty="0"/>
+              <a:t>Parameterization based on  Rotstayn et al. (2000), between 0 and -38°C</a:t>
+            </a:r>
+          </a:p>
+        </p:txBody>
+      </p:sp>
     </p:spTree>
     <p:extLst>
       <p:ext uri="{BB962C8B-B14F-4D97-AF65-F5344CB8AC3E}">
@@ -16330,8 +16429,8 @@
           </a:p>
         </p:txBody>
       </p:sp>
-      <mc:AlternateContent xmlns:mc="http://schemas.openxmlformats.org/markup-compatibility/2006">
-        <mc:Choice xmlns:a14="http://schemas.microsoft.com/office/drawing/2010/main" Requires="a14">
+      <mc:AlternateContent xmlns:mc="http://schemas.openxmlformats.org/markup-compatibility/2006" xmlns:a14="http://schemas.microsoft.com/office/drawing/2010/main">
+        <mc:Choice Requires="a14">
           <p:sp>
             <p:nvSpPr>
               <p:cNvPr id="3" name="Content Placeholder 2">
@@ -16840,7 +16939,7 @@
             </p:txBody>
           </p:sp>
         </mc:Choice>
-        <mc:Fallback>
+        <mc:Fallback xmlns="">
           <p:sp>
             <p:nvSpPr>
               <p:cNvPr id="3" name="Content Placeholder 2">
@@ -18105,6 +18204,87 @@
               <a:rPr lang="nl-NL" sz="2600" dirty="0"/>
               <a:t>Mean precipitation over the final area of the parcel: 4.40 mm</a:t>
             </a:r>
+          </a:p>
+        </p:txBody>
+      </p:sp>
+      <p:cxnSp>
+        <p:nvCxnSpPr>
+          <p:cNvPr id="4" name="Rechte verbindingslijn 3">
+            <a:extLst>
+              <a:ext uri="{FF2B5EF4-FFF2-40B4-BE49-F238E27FC236}">
+                <a16:creationId xmlns:a16="http://schemas.microsoft.com/office/drawing/2014/main" id="{62FA6C67-4E74-4D36-A9A0-9B45A79950FF}"/>
+              </a:ext>
+            </a:extLst>
+          </p:cNvPr>
+          <p:cNvCxnSpPr/>
+          <p:nvPr/>
+        </p:nvCxnSpPr>
+        <p:spPr>
+          <a:xfrm flipV="1">
+            <a:off x="4526745" y="3168731"/>
+            <a:ext cx="797859" cy="193085"/>
+          </a:xfrm>
+          <a:prstGeom prst="line">
+            <a:avLst/>
+          </a:prstGeom>
+          <a:ln w="38100">
+            <a:solidFill>
+              <a:srgbClr val="FFFF00"/>
+            </a:solidFill>
+          </a:ln>
+        </p:spPr>
+        <p:style>
+          <a:lnRef idx="1">
+            <a:schemeClr val="accent1"/>
+          </a:lnRef>
+          <a:fillRef idx="0">
+            <a:schemeClr val="accent1"/>
+          </a:fillRef>
+          <a:effectRef idx="0">
+            <a:schemeClr val="accent1"/>
+          </a:effectRef>
+          <a:fontRef idx="minor">
+            <a:schemeClr val="tx1"/>
+          </a:fontRef>
+        </p:style>
+      </p:cxnSp>
+      <p:sp>
+        <p:nvSpPr>
+          <p:cNvPr id="5" name="Tekstvak 4">
+            <a:extLst>
+              <a:ext uri="{FF2B5EF4-FFF2-40B4-BE49-F238E27FC236}">
+                <a16:creationId xmlns:a16="http://schemas.microsoft.com/office/drawing/2014/main" id="{786F0B70-A167-4A1B-9F3D-A926D0185FBC}"/>
+              </a:ext>
+            </a:extLst>
+          </p:cNvPr>
+          <p:cNvSpPr txBox="1"/>
+          <p:nvPr/>
+        </p:nvSpPr>
+        <p:spPr>
+          <a:xfrm>
+            <a:off x="4709699" y="2877197"/>
+            <a:ext cx="1506631" cy="369332"/>
+          </a:xfrm>
+          <a:prstGeom prst="rect">
+            <a:avLst/>
+          </a:prstGeom>
+          <a:noFill/>
+        </p:spPr>
+        <p:txBody>
+          <a:bodyPr wrap="none" rtlCol="0">
+            <a:spAutoFit/>
+          </a:bodyPr>
+          <a:lstStyle/>
+          <a:p>
+            <a:r>
+              <a:rPr lang="nl-NL" dirty="0"/>
+              <a:t>Heat of </a:t>
+            </a:r>
+            <a:r>
+              <a:rPr lang="nl-NL" dirty="0" err="1"/>
+              <a:t>fusion</a:t>
+            </a:r>
+            <a:endParaRPr lang="nl-NL" dirty="0"/>
           </a:p>
         </p:txBody>
       </p:sp>

--- a/presentation.pptx
+++ b/presentation.pptx
@@ -187,7 +187,7 @@
 <file path=ppt/revisionInfo.xml><?xml version="1.0" encoding="utf-8"?>
 <p1510:revInfo xmlns:a="http://schemas.openxmlformats.org/drawingml/2006/main" xmlns:r="http://schemas.openxmlformats.org/officeDocument/2006/relationships" xmlns:p1510="http://schemas.microsoft.com/office/powerpoint/2015/10/main">
   <p1510:revLst>
-    <p1510:client id="{4B5B707E-E00E-48F1-92A5-1740B72E747E}" v="944" dt="2018-10-29T14:27:43.241"/>
+    <p1510:client id="{4B5B707E-E00E-48F1-92A5-1740B72E747E}" v="948" dt="2018-10-29T18:43:37.652"/>
   </p1510:revLst>
 </p1510:revInfo>
 </file>
@@ -197,18 +197,18 @@
   <pc:docChgLst>
     <pc:chgData name="Chenxi Qiu" userId="2835ca6ba4230f20" providerId="LiveId" clId="{4B5B707E-E00E-48F1-92A5-1740B72E747E}"/>
     <pc:docChg chg="undo custSel addSld delSld modSld sldOrd modSection">
-      <pc:chgData name="Chenxi Qiu" userId="2835ca6ba4230f20" providerId="LiveId" clId="{4B5B707E-E00E-48F1-92A5-1740B72E747E}" dt="2018-10-29T14:28:17.802" v="1736" actId="20577"/>
+      <pc:chgData name="Chenxi Qiu" userId="2835ca6ba4230f20" providerId="LiveId" clId="{4B5B707E-E00E-48F1-92A5-1740B72E747E}" dt="2018-10-29T18:46:34.796" v="1780" actId="1076"/>
       <pc:docMkLst>
         <pc:docMk/>
       </pc:docMkLst>
       <pc:sldChg chg="addSp delSp modSp modNotesTx">
-        <pc:chgData name="Chenxi Qiu" userId="2835ca6ba4230f20" providerId="LiveId" clId="{4B5B707E-E00E-48F1-92A5-1740B72E747E}" dt="2018-10-29T14:08:19.602" v="1484" actId="20577"/>
+        <pc:chgData name="Chenxi Qiu" userId="2835ca6ba4230f20" providerId="LiveId" clId="{4B5B707E-E00E-48F1-92A5-1740B72E747E}" dt="2018-10-29T18:44:44.670" v="1767" actId="14100"/>
         <pc:sldMkLst>
           <pc:docMk/>
           <pc:sldMk cId="234530592" sldId="256"/>
         </pc:sldMkLst>
         <pc:spChg chg="mod">
-          <ac:chgData name="Chenxi Qiu" userId="2835ca6ba4230f20" providerId="LiveId" clId="{4B5B707E-E00E-48F1-92A5-1740B72E747E}" dt="2018-10-29T11:36:34.273" v="14" actId="20577"/>
+          <ac:chgData name="Chenxi Qiu" userId="2835ca6ba4230f20" providerId="LiveId" clId="{4B5B707E-E00E-48F1-92A5-1740B72E747E}" dt="2018-10-29T18:44:27.862" v="1758" actId="14100"/>
           <ac:spMkLst>
             <pc:docMk/>
             <pc:sldMk cId="234530592" sldId="256"/>
@@ -216,7 +216,7 @@
           </ac:spMkLst>
         </pc:spChg>
         <pc:spChg chg="mod">
-          <ac:chgData name="Chenxi Qiu" userId="2835ca6ba4230f20" providerId="LiveId" clId="{4B5B707E-E00E-48F1-92A5-1740B72E747E}" dt="2018-10-29T11:37:08.074" v="17" actId="207"/>
+          <ac:chgData name="Chenxi Qiu" userId="2835ca6ba4230f20" providerId="LiveId" clId="{4B5B707E-E00E-48F1-92A5-1740B72E747E}" dt="2018-10-29T18:44:44.670" v="1767" actId="14100"/>
           <ac:spMkLst>
             <pc:docMk/>
             <pc:sldMk cId="234530592" sldId="256"/>
@@ -241,7 +241,7 @@
         </pc:picChg>
       </pc:sldChg>
       <pc:sldChg chg="modSp">
-        <pc:chgData name="Chenxi Qiu" userId="2835ca6ba4230f20" providerId="LiveId" clId="{4B5B707E-E00E-48F1-92A5-1740B72E747E}" dt="2018-10-29T13:39:23.188" v="1074" actId="120"/>
+        <pc:chgData name="Chenxi Qiu" userId="2835ca6ba4230f20" providerId="LiveId" clId="{4B5B707E-E00E-48F1-92A5-1740B72E747E}" dt="2018-10-29T18:45:01.212" v="1771" actId="20577"/>
         <pc:sldMkLst>
           <pc:docMk/>
           <pc:sldMk cId="2987437701" sldId="257"/>
@@ -255,7 +255,7 @@
           </ac:spMkLst>
         </pc:spChg>
         <pc:spChg chg="mod">
-          <ac:chgData name="Chenxi Qiu" userId="2835ca6ba4230f20" providerId="LiveId" clId="{4B5B707E-E00E-48F1-92A5-1740B72E747E}" dt="2018-10-29T13:39:23.188" v="1074" actId="120"/>
+          <ac:chgData name="Chenxi Qiu" userId="2835ca6ba4230f20" providerId="LiveId" clId="{4B5B707E-E00E-48F1-92A5-1740B72E747E}" dt="2018-10-29T18:45:01.212" v="1771" actId="20577"/>
           <ac:spMkLst>
             <pc:docMk/>
             <pc:sldMk cId="2987437701" sldId="257"/>
@@ -278,7 +278,7 @@
         </pc:sldMkLst>
       </pc:sldChg>
       <pc:sldChg chg="addSp delSp modSp ord setBg modNotesTx">
-        <pc:chgData name="Chenxi Qiu" userId="2835ca6ba4230f20" providerId="LiveId" clId="{4B5B707E-E00E-48F1-92A5-1740B72E747E}" dt="2018-10-29T14:08:15.277" v="1483" actId="20577"/>
+        <pc:chgData name="Chenxi Qiu" userId="2835ca6ba4230f20" providerId="LiveId" clId="{4B5B707E-E00E-48F1-92A5-1740B72E747E}" dt="2018-10-29T18:45:39.556" v="1774" actId="14100"/>
         <pc:sldMkLst>
           <pc:docMk/>
           <pc:sldMk cId="1374298124" sldId="262"/>
@@ -452,7 +452,7 @@
           </ac:spMkLst>
         </pc:spChg>
         <pc:spChg chg="add mod">
-          <ac:chgData name="Chenxi Qiu" userId="2835ca6ba4230f20" providerId="LiveId" clId="{4B5B707E-E00E-48F1-92A5-1740B72E747E}" dt="2018-10-29T12:42:32.240" v="931" actId="1076"/>
+          <ac:chgData name="Chenxi Qiu" userId="2835ca6ba4230f20" providerId="LiveId" clId="{4B5B707E-E00E-48F1-92A5-1740B72E747E}" dt="2018-10-29T18:45:17.543" v="1773" actId="1076"/>
           <ac:spMkLst>
             <pc:docMk/>
             <pc:sldMk cId="1374298124" sldId="262"/>
@@ -484,7 +484,7 @@
           </ac:spMkLst>
         </pc:spChg>
         <pc:spChg chg="add mod">
-          <ac:chgData name="Chenxi Qiu" userId="2835ca6ba4230f20" providerId="LiveId" clId="{4B5B707E-E00E-48F1-92A5-1740B72E747E}" dt="2018-10-29T13:35:16.529" v="1056" actId="1076"/>
+          <ac:chgData name="Chenxi Qiu" userId="2835ca6ba4230f20" providerId="LiveId" clId="{4B5B707E-E00E-48F1-92A5-1740B72E747E}" dt="2018-10-29T18:45:39.556" v="1774" actId="14100"/>
           <ac:spMkLst>
             <pc:docMk/>
             <pc:sldMk cId="1374298124" sldId="262"/>
@@ -677,19 +677,35 @@
         </pc:sldMkLst>
       </pc:sldChg>
       <pc:sldChg chg="modSp">
-        <pc:chgData name="Chenxi Qiu" userId="2835ca6ba4230f20" providerId="LiveId" clId="{4B5B707E-E00E-48F1-92A5-1740B72E747E}" dt="2018-10-29T11:39:53.490" v="45" actId="207"/>
+        <pc:chgData name="Chenxi Qiu" userId="2835ca6ba4230f20" providerId="LiveId" clId="{4B5B707E-E00E-48F1-92A5-1740B72E747E}" dt="2018-10-29T18:43:37.652" v="1755"/>
         <pc:sldMkLst>
           <pc:docMk/>
           <pc:sldMk cId="2031246863" sldId="276"/>
         </pc:sldMkLst>
         <pc:spChg chg="mod">
-          <ac:chgData name="Chenxi Qiu" userId="2835ca6ba4230f20" providerId="LiveId" clId="{4B5B707E-E00E-48F1-92A5-1740B72E747E}" dt="2018-10-29T11:39:53.490" v="45" actId="207"/>
+          <ac:chgData name="Chenxi Qiu" userId="2835ca6ba4230f20" providerId="LiveId" clId="{4B5B707E-E00E-48F1-92A5-1740B72E747E}" dt="2018-10-29T18:42:37.010" v="1751" actId="1076"/>
           <ac:spMkLst>
             <pc:docMk/>
             <pc:sldMk cId="2031246863" sldId="276"/>
             <ac:spMk id="2" creationId="{AC107962-5648-42C0-BC13-4E17C0F3BB1D}"/>
           </ac:spMkLst>
         </pc:spChg>
+        <pc:picChg chg="mod">
+          <ac:chgData name="Chenxi Qiu" userId="2835ca6ba4230f20" providerId="LiveId" clId="{4B5B707E-E00E-48F1-92A5-1740B72E747E}" dt="2018-10-29T18:42:44.691" v="1753" actId="1076"/>
+          <ac:picMkLst>
+            <pc:docMk/>
+            <pc:sldMk cId="2031246863" sldId="276"/>
+            <ac:picMk id="3" creationId="{872206A2-73DB-4B0F-BAAD-8BE16E4AE34D}"/>
+          </ac:picMkLst>
+        </pc:picChg>
+        <pc:picChg chg="mod">
+          <ac:chgData name="Chenxi Qiu" userId="2835ca6ba4230f20" providerId="LiveId" clId="{4B5B707E-E00E-48F1-92A5-1740B72E747E}" dt="2018-10-29T18:43:37.652" v="1755"/>
+          <ac:picMkLst>
+            <pc:docMk/>
+            <pc:sldMk cId="2031246863" sldId="276"/>
+            <ac:picMk id="4" creationId="{E313546B-7F74-44B6-8571-DE1A0953DCD0}"/>
+          </ac:picMkLst>
+        </pc:picChg>
       </pc:sldChg>
       <pc:sldChg chg="del">
         <pc:chgData name="Chenxi Qiu" userId="2835ca6ba4230f20" providerId="LiveId" clId="{4B5B707E-E00E-48F1-92A5-1740B72E747E}" dt="2018-10-29T14:28:01.713" v="1720" actId="2696"/>
@@ -1435,7 +1451,7 @@
         </pc:sldMkLst>
       </pc:sldChg>
       <pc:sldChg chg="addSp delSp modSp add modNotesTx">
-        <pc:chgData name="Chenxi Qiu" userId="2835ca6ba4230f20" providerId="LiveId" clId="{4B5B707E-E00E-48F1-92A5-1740B72E747E}" dt="2018-10-29T14:09:17.240" v="1491" actId="207"/>
+        <pc:chgData name="Chenxi Qiu" userId="2835ca6ba4230f20" providerId="LiveId" clId="{4B5B707E-E00E-48F1-92A5-1740B72E747E}" dt="2018-10-29T18:40:11.487" v="1741" actId="14100"/>
         <pc:sldMkLst>
           <pc:docMk/>
           <pc:sldMk cId="4098441916" sldId="303"/>
@@ -1457,6 +1473,22 @@
           </ac:spMkLst>
         </pc:spChg>
         <pc:spChg chg="mod">
+          <ac:chgData name="Chenxi Qiu" userId="2835ca6ba4230f20" providerId="LiveId" clId="{4B5B707E-E00E-48F1-92A5-1740B72E747E}" dt="2018-10-29T18:39:57.474" v="1738" actId="2085"/>
+          <ac:spMkLst>
+            <pc:docMk/>
+            <pc:sldMk cId="4098441916" sldId="303"/>
+            <ac:spMk id="20" creationId="{75C30A15-8AD6-471C-ADA0-E5222F466310}"/>
+          </ac:spMkLst>
+        </pc:spChg>
+        <pc:spChg chg="mod">
+          <ac:chgData name="Chenxi Qiu" userId="2835ca6ba4230f20" providerId="LiveId" clId="{4B5B707E-E00E-48F1-92A5-1740B72E747E}" dt="2018-10-29T18:40:11.487" v="1741" actId="14100"/>
+          <ac:spMkLst>
+            <pc:docMk/>
+            <pc:sldMk cId="4098441916" sldId="303"/>
+            <ac:spMk id="21" creationId="{03DE068C-9118-4B62-AA79-79ABA99D8BCD}"/>
+          </ac:spMkLst>
+        </pc:spChg>
+        <pc:spChg chg="mod">
           <ac:chgData name="Chenxi Qiu" userId="2835ca6ba4230f20" providerId="LiveId" clId="{4B5B707E-E00E-48F1-92A5-1740B72E747E}" dt="2018-10-29T14:09:17.240" v="1491" actId="207"/>
           <ac:spMkLst>
             <pc:docMk/>
@@ -1474,12 +1506,20 @@
         </pc:picChg>
       </pc:sldChg>
       <pc:sldChg chg="addSp delSp modSp add modNotesTx">
-        <pc:chgData name="Chenxi Qiu" userId="2835ca6ba4230f20" providerId="LiveId" clId="{4B5B707E-E00E-48F1-92A5-1740B72E747E}" dt="2018-10-29T14:08:51.804" v="1489" actId="14100"/>
+        <pc:chgData name="Chenxi Qiu" userId="2835ca6ba4230f20" providerId="LiveId" clId="{4B5B707E-E00E-48F1-92A5-1740B72E747E}" dt="2018-10-29T18:46:34.796" v="1780" actId="1076"/>
         <pc:sldMkLst>
           <pc:docMk/>
           <pc:sldMk cId="3615112470" sldId="304"/>
         </pc:sldMkLst>
         <pc:spChg chg="mod">
+          <ac:chgData name="Chenxi Qiu" userId="2835ca6ba4230f20" providerId="LiveId" clId="{4B5B707E-E00E-48F1-92A5-1740B72E747E}" dt="2018-10-29T18:46:02.668" v="1775" actId="113"/>
+          <ac:spMkLst>
+            <pc:docMk/>
+            <pc:sldMk cId="3615112470" sldId="304"/>
+            <ac:spMk id="3" creationId="{531C2D02-9670-439D-A235-0880E8401F16}"/>
+          </ac:spMkLst>
+        </pc:spChg>
+        <pc:spChg chg="mod">
           <ac:chgData name="Chenxi Qiu" userId="2835ca6ba4230f20" providerId="LiveId" clId="{4B5B707E-E00E-48F1-92A5-1740B72E747E}" dt="2018-10-29T14:08:51.804" v="1489" actId="14100"/>
           <ac:spMkLst>
             <pc:docMk/>
@@ -1487,16 +1527,48 @@
             <ac:spMk id="4" creationId="{6F91068F-C5CE-4336-8A73-B2BFFB6A4806}"/>
           </ac:spMkLst>
         </pc:spChg>
+        <pc:spChg chg="mod">
+          <ac:chgData name="Chenxi Qiu" userId="2835ca6ba4230f20" providerId="LiveId" clId="{4B5B707E-E00E-48F1-92A5-1740B72E747E}" dt="2018-10-29T18:46:19.081" v="1779" actId="403"/>
+          <ac:spMkLst>
+            <pc:docMk/>
+            <pc:sldMk cId="3615112470" sldId="304"/>
+            <ac:spMk id="14" creationId="{0B9CC19A-77EA-4C87-9184-7FB361172B87}"/>
+          </ac:spMkLst>
+        </pc:spChg>
+        <pc:spChg chg="mod">
+          <ac:chgData name="Chenxi Qiu" userId="2835ca6ba4230f20" providerId="LiveId" clId="{4B5B707E-E00E-48F1-92A5-1740B72E747E}" dt="2018-10-29T18:46:15.084" v="1778" actId="403"/>
+          <ac:spMkLst>
+            <pc:docMk/>
+            <pc:sldMk cId="3615112470" sldId="304"/>
+            <ac:spMk id="15" creationId="{ED8B8B94-B06A-4A0B-994C-D0CB3244920D}"/>
+          </ac:spMkLst>
+        </pc:spChg>
         <pc:spChg chg="add mod">
-          <ac:chgData name="Chenxi Qiu" userId="2835ca6ba4230f20" providerId="LiveId" clId="{4B5B707E-E00E-48F1-92A5-1740B72E747E}" dt="2018-10-29T14:01:59.828" v="1410" actId="207"/>
+          <ac:chgData name="Chenxi Qiu" userId="2835ca6ba4230f20" providerId="LiveId" clId="{4B5B707E-E00E-48F1-92A5-1740B72E747E}" dt="2018-10-29T18:41:29.799" v="1748" actId="14100"/>
           <ac:spMkLst>
             <pc:docMk/>
             <pc:sldMk cId="3615112470" sldId="304"/>
             <ac:spMk id="19" creationId="{6A52F4C0-09B6-4292-9951-88BB6556A453}"/>
           </ac:spMkLst>
         </pc:spChg>
+        <pc:spChg chg="del mod">
+          <ac:chgData name="Chenxi Qiu" userId="2835ca6ba4230f20" providerId="LiveId" clId="{4B5B707E-E00E-48F1-92A5-1740B72E747E}" dt="2018-10-29T18:41:13.421" v="1745" actId="478"/>
+          <ac:spMkLst>
+            <pc:docMk/>
+            <pc:sldMk cId="3615112470" sldId="304"/>
+            <ac:spMk id="20" creationId="{75C30A15-8AD6-471C-ADA0-E5222F466310}"/>
+          </ac:spMkLst>
+        </pc:spChg>
+        <pc:spChg chg="del mod">
+          <ac:chgData name="Chenxi Qiu" userId="2835ca6ba4230f20" providerId="LiveId" clId="{4B5B707E-E00E-48F1-92A5-1740B72E747E}" dt="2018-10-29T18:41:14.871" v="1746" actId="478"/>
+          <ac:spMkLst>
+            <pc:docMk/>
+            <pc:sldMk cId="3615112470" sldId="304"/>
+            <ac:spMk id="21" creationId="{03DE068C-9118-4B62-AA79-79ABA99D8BCD}"/>
+          </ac:spMkLst>
+        </pc:spChg>
         <pc:spChg chg="add mod">
-          <ac:chgData name="Chenxi Qiu" userId="2835ca6ba4230f20" providerId="LiveId" clId="{4B5B707E-E00E-48F1-92A5-1740B72E747E}" dt="2018-10-29T14:01:56.851" v="1409" actId="207"/>
+          <ac:chgData name="Chenxi Qiu" userId="2835ca6ba4230f20" providerId="LiveId" clId="{4B5B707E-E00E-48F1-92A5-1740B72E747E}" dt="2018-10-29T18:41:32.543" v="1749" actId="14100"/>
           <ac:spMkLst>
             <pc:docMk/>
             <pc:sldMk cId="3615112470" sldId="304"/>
@@ -1512,7 +1584,7 @@
           </ac:spMkLst>
         </pc:spChg>
         <pc:spChg chg="add mod">
-          <ac:chgData name="Chenxi Qiu" userId="2835ca6ba4230f20" providerId="LiveId" clId="{4B5B707E-E00E-48F1-92A5-1740B72E747E}" dt="2018-10-29T14:01:01.934" v="1378" actId="1076"/>
+          <ac:chgData name="Chenxi Qiu" userId="2835ca6ba4230f20" providerId="LiveId" clId="{4B5B707E-E00E-48F1-92A5-1740B72E747E}" dt="2018-10-29T18:46:34.796" v="1780" actId="1076"/>
           <ac:spMkLst>
             <pc:docMk/>
             <pc:sldMk cId="3615112470" sldId="304"/>
@@ -1533,6 +1605,22 @@
             <pc:docMk/>
             <pc:sldMk cId="3615112470" sldId="304"/>
             <ac:spMk id="30" creationId="{39ED32F3-0DD4-4C81-80D6-154F8019FE4A}"/>
+          </ac:spMkLst>
+        </pc:spChg>
+        <pc:spChg chg="add">
+          <ac:chgData name="Chenxi Qiu" userId="2835ca6ba4230f20" providerId="LiveId" clId="{4B5B707E-E00E-48F1-92A5-1740B72E747E}" dt="2018-10-29T18:41:10.369" v="1744"/>
+          <ac:spMkLst>
+            <pc:docMk/>
+            <pc:sldMk cId="3615112470" sldId="304"/>
+            <ac:spMk id="31" creationId="{ECDC35C9-5C7F-4ACA-91FC-7470DA5D3872}"/>
+          </ac:spMkLst>
+        </pc:spChg>
+        <pc:spChg chg="add">
+          <ac:chgData name="Chenxi Qiu" userId="2835ca6ba4230f20" providerId="LiveId" clId="{4B5B707E-E00E-48F1-92A5-1740B72E747E}" dt="2018-10-29T18:41:10.369" v="1744"/>
+          <ac:spMkLst>
+            <pc:docMk/>
+            <pc:sldMk cId="3615112470" sldId="304"/>
+            <ac:spMk id="32" creationId="{FF683892-BA9B-4300-8F31-A656B84D35F9}"/>
           </ac:spMkLst>
         </pc:spChg>
         <pc:picChg chg="del">
@@ -2042,13 +2130,13 @@
     </pc:docChg>
   </pc:docChgLst>
   <pc:docChgLst>
+    <pc:chgData name="邱晨曦" userId="2835ca6ba4230f20" providerId="LiveId" clId="{AD9EB2E2-D2D7-4AE1-B785-FCA0E14A68F3}"/>
+  </pc:docChgLst>
+  <pc:docChgLst>
     <pc:chgData name="Chenxi Qiu" userId="2835ca6ba4230f20" providerId="LiveId" clId="{AD9EB2E2-D2D7-4AE1-B785-FCA0E14A68F3}"/>
   </pc:docChgLst>
   <pc:docChgLst>
     <pc:chgData name="Chenxi Qiu" userId="2835ca6ba4230f20" providerId="LiveId" clId="{F793DC24-2C81-4B49-8B25-55ABC7D1497A}"/>
-  </pc:docChgLst>
-  <pc:docChgLst>
-    <pc:chgData name="邱晨曦" userId="2835ca6ba4230f20" providerId="LiveId" clId="{AD9EB2E2-D2D7-4AE1-B785-FCA0E14A68F3}"/>
   </pc:docChgLst>
 </pc:chgInfo>
 </file>
@@ -2294,7 +2382,7 @@
           <a:p>
             <a:fld id="{C61E236C-ED45-4AC6-9CA2-4EC327F175CB}" type="slidenum">
               <a:rPr lang="en-GB" smtClean="0"/>
-              <a:t>‹nr.›</a:t>
+              <a:t>‹#›</a:t>
             </a:fld>
             <a:endParaRPr lang="en-GB"/>
           </a:p>
@@ -4118,7 +4206,7 @@
           <a:p>
             <a:fld id="{B0CDDA0C-7CB0-4FC8-AC69-DD30E68A80BE}" type="slidenum">
               <a:rPr lang="en-GB" smtClean="0"/>
-              <a:t>‹nr.›</a:t>
+              <a:t>‹#›</a:t>
             </a:fld>
             <a:endParaRPr lang="en-GB"/>
           </a:p>
@@ -4318,7 +4406,7 @@
           <a:p>
             <a:fld id="{B0CDDA0C-7CB0-4FC8-AC69-DD30E68A80BE}" type="slidenum">
               <a:rPr lang="en-GB" smtClean="0"/>
-              <a:t>‹nr.›</a:t>
+              <a:t>‹#›</a:t>
             </a:fld>
             <a:endParaRPr lang="en-GB"/>
           </a:p>
@@ -4528,7 +4616,7 @@
           <a:p>
             <a:fld id="{B0CDDA0C-7CB0-4FC8-AC69-DD30E68A80BE}" type="slidenum">
               <a:rPr lang="en-GB" smtClean="0"/>
-              <a:t>‹nr.›</a:t>
+              <a:t>‹#›</a:t>
             </a:fld>
             <a:endParaRPr lang="en-GB"/>
           </a:p>
@@ -4728,7 +4816,7 @@
           <a:p>
             <a:fld id="{B0CDDA0C-7CB0-4FC8-AC69-DD30E68A80BE}" type="slidenum">
               <a:rPr lang="en-GB" smtClean="0"/>
-              <a:t>‹nr.›</a:t>
+              <a:t>‹#›</a:t>
             </a:fld>
             <a:endParaRPr lang="en-GB"/>
           </a:p>
@@ -5004,7 +5092,7 @@
           <a:p>
             <a:fld id="{B0CDDA0C-7CB0-4FC8-AC69-DD30E68A80BE}" type="slidenum">
               <a:rPr lang="en-GB" smtClean="0"/>
-              <a:t>‹nr.›</a:t>
+              <a:t>‹#›</a:t>
             </a:fld>
             <a:endParaRPr lang="en-GB"/>
           </a:p>
@@ -5272,7 +5360,7 @@
           <a:p>
             <a:fld id="{B0CDDA0C-7CB0-4FC8-AC69-DD30E68A80BE}" type="slidenum">
               <a:rPr lang="en-GB" smtClean="0"/>
-              <a:t>‹nr.›</a:t>
+              <a:t>‹#›</a:t>
             </a:fld>
             <a:endParaRPr lang="en-GB"/>
           </a:p>
@@ -5687,7 +5775,7 @@
           <a:p>
             <a:fld id="{B0CDDA0C-7CB0-4FC8-AC69-DD30E68A80BE}" type="slidenum">
               <a:rPr lang="en-GB" smtClean="0"/>
-              <a:t>‹nr.›</a:t>
+              <a:t>‹#›</a:t>
             </a:fld>
             <a:endParaRPr lang="en-GB"/>
           </a:p>
@@ -5829,7 +5917,7 @@
           <a:p>
             <a:fld id="{B0CDDA0C-7CB0-4FC8-AC69-DD30E68A80BE}" type="slidenum">
               <a:rPr lang="en-GB" smtClean="0"/>
-              <a:t>‹nr.›</a:t>
+              <a:t>‹#›</a:t>
             </a:fld>
             <a:endParaRPr lang="en-GB"/>
           </a:p>
@@ -5942,7 +6030,7 @@
           <a:p>
             <a:fld id="{B0CDDA0C-7CB0-4FC8-AC69-DD30E68A80BE}" type="slidenum">
               <a:rPr lang="en-GB" smtClean="0"/>
-              <a:t>‹nr.›</a:t>
+              <a:t>‹#›</a:t>
             </a:fld>
             <a:endParaRPr lang="en-GB"/>
           </a:p>
@@ -6255,7 +6343,7 @@
           <a:p>
             <a:fld id="{B0CDDA0C-7CB0-4FC8-AC69-DD30E68A80BE}" type="slidenum">
               <a:rPr lang="en-GB" smtClean="0"/>
-              <a:t>‹nr.›</a:t>
+              <a:t>‹#›</a:t>
             </a:fld>
             <a:endParaRPr lang="en-GB"/>
           </a:p>
@@ -6548,7 +6636,7 @@
           <a:p>
             <a:fld id="{B0CDDA0C-7CB0-4FC8-AC69-DD30E68A80BE}" type="slidenum">
               <a:rPr lang="en-GB" smtClean="0"/>
-              <a:t>‹nr.›</a:t>
+              <a:t>‹#›</a:t>
             </a:fld>
             <a:endParaRPr lang="en-GB"/>
           </a:p>
@@ -6830,7 +6918,7 @@
           <a:p>
             <a:fld id="{B0CDDA0C-7CB0-4FC8-AC69-DD30E68A80BE}" type="slidenum">
               <a:rPr lang="en-GB" smtClean="0"/>
-              <a:t>‹nr.›</a:t>
+              <a:t>‹#›</a:t>
             </a:fld>
             <a:endParaRPr lang="en-GB"/>
           </a:p>
@@ -7176,8 +7264,8 @@
         </p:nvSpPr>
         <p:spPr>
           <a:xfrm>
-            <a:off x="4409320" y="1194191"/>
-            <a:ext cx="7782680" cy="2387600"/>
+            <a:off x="5386474" y="1194191"/>
+            <a:ext cx="6805525" cy="2387600"/>
           </a:xfrm>
           <a:effectLst>
             <a:outerShdw blurRad="50800" dist="38100" dir="8100000" algn="tr" rotWithShape="0">
@@ -7229,8 +7317,8 @@
         </p:nvSpPr>
         <p:spPr>
           <a:xfrm>
-            <a:off x="6448769" y="5272760"/>
-            <a:ext cx="3703782" cy="782098"/>
+            <a:off x="6752303" y="4965895"/>
+            <a:ext cx="4073865" cy="815928"/>
           </a:xfrm>
           <a:solidFill>
             <a:srgbClr val="04B1C8"/>
@@ -7239,12 +7327,12 @@
         </p:spPr>
         <p:txBody>
           <a:bodyPr>
-            <a:normAutofit/>
+            <a:normAutofit fontScale="85000" lnSpcReduction="10000"/>
           </a:bodyPr>
           <a:lstStyle/>
           <a:p>
             <a:r>
-              <a:rPr lang="en-GB" sz="2000" dirty="0">
+              <a:rPr lang="en-GB" sz="2800" dirty="0">
                 <a:solidFill>
                   <a:schemeClr val="bg1"/>
                 </a:solidFill>
@@ -7255,7 +7343,7 @@
           </a:p>
           <a:p>
             <a:r>
-              <a:rPr lang="en-GB" sz="2000" dirty="0">
+              <a:rPr lang="en-GB" sz="2800" dirty="0">
                 <a:solidFill>
                   <a:schemeClr val="bg1"/>
                 </a:solidFill>
@@ -12543,7 +12631,7 @@
         </p:nvSpPr>
         <p:spPr>
           <a:xfrm>
-            <a:off x="1737446" y="1462160"/>
+            <a:off x="1737444" y="2376560"/>
             <a:ext cx="8717107" cy="3933680"/>
           </a:xfrm>
           <a:solidFill>
@@ -12615,7 +12703,7 @@
         </p:blipFill>
         <p:spPr>
           <a:xfrm>
-            <a:off x="3174738" y="-177768"/>
+            <a:off x="3174736" y="216560"/>
             <a:ext cx="5842521" cy="4320000"/>
           </a:xfrm>
           <a:prstGeom prst="rect">
@@ -12640,6 +12728,15 @@
         <p:blipFill>
           <a:blip r:embed="rId4">
             <a:extLst>
+              <a:ext uri="{BEBA8EAE-BF5A-486C-A8C5-ECC9F3942E4B}">
+                <a14:imgProps xmlns:a14="http://schemas.microsoft.com/office/drawing/2010/main">
+                  <a14:imgLayer r:embed="rId5">
+                    <a14:imgEffect>
+                      <a14:artisticLineDrawing/>
+                    </a14:imgEffect>
+                  </a14:imgLayer>
+                </a14:imgProps>
+              </a:ext>
               <a:ext uri="{28A0092B-C50C-407E-A947-70E740481C1C}">
                 <a14:useLocalDpi xmlns:a14="http://schemas.microsoft.com/office/drawing/2010/main" val="0"/>
               </a:ext>
@@ -12651,7 +12748,7 @@
         </p:blipFill>
         <p:spPr>
           <a:xfrm>
-            <a:off x="6314856" y="5395840"/>
+            <a:off x="8424615" y="3669943"/>
             <a:ext cx="1185283" cy="1346913"/>
           </a:xfrm>
           <a:prstGeom prst="rect">
@@ -12775,22 +12872,37 @@
             <a:endParaRPr lang="nl-NL" dirty="0"/>
           </a:p>
           <a:p>
+            <a:pPr algn="ctr"/>
             <a:r>
               <a:rPr lang="nl-NL" dirty="0"/>
               <a:t>Environment</a:t>
             </a:r>
           </a:p>
           <a:p>
+            <a:pPr algn="ctr"/>
+            <a:endParaRPr lang="nl-NL" dirty="0"/>
+          </a:p>
+          <a:p>
+            <a:pPr algn="ctr"/>
             <a:r>
               <a:rPr lang="nl-NL" dirty="0"/>
               <a:t>Phase of cloud (liquid/ice/mixed)</a:t>
             </a:r>
           </a:p>
           <a:p>
+            <a:pPr algn="ctr"/>
+            <a:endParaRPr lang="nl-NL" dirty="0"/>
+          </a:p>
+          <a:p>
+            <a:pPr algn="ctr"/>
             <a:r>
               <a:rPr lang="nl-NL" dirty="0"/>
               <a:t>Entrainment</a:t>
             </a:r>
+          </a:p>
+          <a:p>
+            <a:pPr algn="ctr"/>
+            <a:endParaRPr lang="nl-NL" dirty="0"/>
           </a:p>
         </p:txBody>
       </p:sp>
@@ -13122,8 +13234,8 @@
         </p:nvSpPr>
         <p:spPr>
           <a:xfrm>
-            <a:off x="10670458" y="770751"/>
-            <a:ext cx="1521542" cy="584775"/>
+            <a:off x="11031529" y="770751"/>
+            <a:ext cx="1160471" cy="584775"/>
           </a:xfrm>
           <a:prstGeom prst="rect">
             <a:avLst/>
@@ -13287,8 +13399,8 @@
         </p:nvSpPr>
         <p:spPr>
           <a:xfrm>
-            <a:off x="509941" y="1929709"/>
-            <a:ext cx="4397790" cy="601491"/>
+            <a:off x="1125415" y="1929709"/>
+            <a:ext cx="3782316" cy="601491"/>
           </a:xfrm>
           <a:prstGeom prst="rightArrow">
             <a:avLst/>
@@ -15047,12 +15159,10 @@
             <a:avLst/>
           </a:prstGeom>
           <a:solidFill>
-            <a:srgbClr val="70AD47"/>
+            <a:srgbClr val="00B050"/>
           </a:solidFill>
           <a:ln>
-            <a:solidFill>
-              <a:srgbClr val="507E32"/>
-            </a:solidFill>
+            <a:noFill/>
           </a:ln>
         </p:spPr>
         <p:style>
@@ -15104,19 +15214,17 @@
         </p:nvSpPr>
         <p:spPr>
           <a:xfrm>
-            <a:off x="3112154" y="4628149"/>
-            <a:ext cx="1007412" cy="1014399"/>
+            <a:off x="3112154" y="4566991"/>
+            <a:ext cx="1007412" cy="1075558"/>
           </a:xfrm>
           <a:prstGeom prst="downArrow">
             <a:avLst/>
           </a:prstGeom>
           <a:solidFill>
-            <a:srgbClr val="70AD47"/>
+            <a:srgbClr val="00B050"/>
           </a:solidFill>
           <a:ln>
-            <a:solidFill>
-              <a:srgbClr val="507E32"/>
-            </a:solidFill>
+            <a:noFill/>
           </a:ln>
         </p:spPr>
         <p:style>
@@ -15738,7 +15846,7 @@
           <a:p>
             <a:pPr algn="ctr"/>
             <a:r>
-              <a:rPr lang="nl-NL" sz="2000" dirty="0"/>
+              <a:rPr lang="nl-NL" sz="2400" b="1" dirty="0"/>
               <a:t>E</a:t>
             </a:r>
           </a:p>
@@ -15800,7 +15908,7 @@
           <a:p>
             <a:pPr algn="ctr"/>
             <a:r>
-              <a:rPr lang="nl-NL" sz="2000" dirty="0"/>
+              <a:rPr lang="nl-NL" sz="2400" b="1" dirty="0"/>
               <a:t>C</a:t>
             </a:r>
           </a:p>
@@ -15842,14 +15950,14 @@
           <a:lstStyle/>
           <a:p>
             <a:r>
-              <a:rPr lang="en-US" dirty="0">
+              <a:rPr lang="en-US" b="1" dirty="0">
                 <a:solidFill>
                   <a:schemeClr val="bg1"/>
                 </a:solidFill>
               </a:rPr>
               <a:t>D</a:t>
             </a:r>
-            <a:endParaRPr lang="en-GB" dirty="0">
+            <a:endParaRPr lang="en-GB" b="1" dirty="0">
               <a:solidFill>
                 <a:schemeClr val="bg1"/>
               </a:solidFill>
@@ -15895,134 +16003,6 @@
       </p:pic>
       <p:sp>
         <p:nvSpPr>
-          <p:cNvPr id="20" name="Pijl: omhoog 21">
-            <a:extLst>
-              <a:ext uri="{FF2B5EF4-FFF2-40B4-BE49-F238E27FC236}">
-                <a16:creationId xmlns:a16="http://schemas.microsoft.com/office/drawing/2014/main" id="{75C30A15-8AD6-471C-ADA0-E5222F466310}"/>
-              </a:ext>
-            </a:extLst>
-          </p:cNvPr>
-          <p:cNvSpPr/>
-          <p:nvPr/>
-        </p:nvSpPr>
-        <p:spPr>
-          <a:xfrm>
-            <a:off x="1280560" y="4566990"/>
-            <a:ext cx="1121969" cy="1014399"/>
-          </a:xfrm>
-          <a:prstGeom prst="upArrow">
-            <a:avLst/>
-          </a:prstGeom>
-          <a:solidFill>
-            <a:srgbClr val="70AD47"/>
-          </a:solidFill>
-          <a:ln>
-            <a:solidFill>
-              <a:srgbClr val="507E32"/>
-            </a:solidFill>
-          </a:ln>
-        </p:spPr>
-        <p:style>
-          <a:lnRef idx="2">
-            <a:schemeClr val="accent2">
-              <a:shade val="50000"/>
-            </a:schemeClr>
-          </a:lnRef>
-          <a:fillRef idx="1">
-            <a:schemeClr val="accent2"/>
-          </a:fillRef>
-          <a:effectRef idx="0">
-            <a:schemeClr val="accent2"/>
-          </a:effectRef>
-          <a:fontRef idx="minor">
-            <a:schemeClr val="lt1"/>
-          </a:fontRef>
-        </p:style>
-        <p:txBody>
-          <a:bodyPr rtlCol="0" anchor="ctr"/>
-          <a:lstStyle/>
-          <a:p>
-            <a:pPr algn="ctr"/>
-            <a:r>
-              <a:rPr lang="nl-NL" sz="2800" dirty="0"/>
-              <a:t>M</a:t>
-            </a:r>
-          </a:p>
-          <a:p>
-            <a:pPr algn="ctr"/>
-            <a:r>
-              <a:rPr lang="nl-NL" sz="1500" dirty="0"/>
-              <a:t>0 °C</a:t>
-            </a:r>
-          </a:p>
-        </p:txBody>
-      </p:sp>
-      <p:sp>
-        <p:nvSpPr>
-          <p:cNvPr id="21" name="Pijl: omlaag 22">
-            <a:extLst>
-              <a:ext uri="{FF2B5EF4-FFF2-40B4-BE49-F238E27FC236}">
-                <a16:creationId xmlns:a16="http://schemas.microsoft.com/office/drawing/2014/main" id="{03DE068C-9118-4B62-AA79-79ABA99D8BCD}"/>
-              </a:ext>
-            </a:extLst>
-          </p:cNvPr>
-          <p:cNvSpPr/>
-          <p:nvPr/>
-        </p:nvSpPr>
-        <p:spPr>
-          <a:xfrm>
-            <a:off x="3112154" y="4628149"/>
-            <a:ext cx="1007412" cy="1014399"/>
-          </a:xfrm>
-          <a:prstGeom prst="downArrow">
-            <a:avLst/>
-          </a:prstGeom>
-          <a:solidFill>
-            <a:srgbClr val="70AD47"/>
-          </a:solidFill>
-          <a:ln>
-            <a:solidFill>
-              <a:srgbClr val="507E32"/>
-            </a:solidFill>
-          </a:ln>
-        </p:spPr>
-        <p:style>
-          <a:lnRef idx="2">
-            <a:schemeClr val="accent6">
-              <a:shade val="50000"/>
-            </a:schemeClr>
-          </a:lnRef>
-          <a:fillRef idx="1">
-            <a:schemeClr val="accent6"/>
-          </a:fillRef>
-          <a:effectRef idx="0">
-            <a:schemeClr val="accent6"/>
-          </a:effectRef>
-          <a:fontRef idx="minor">
-            <a:schemeClr val="lt1"/>
-          </a:fontRef>
-        </p:style>
-        <p:txBody>
-          <a:bodyPr rtlCol="0" anchor="ctr"/>
-          <a:lstStyle/>
-          <a:p>
-            <a:pPr algn="ctr"/>
-            <a:r>
-              <a:rPr lang="nl-NL" sz="3600" dirty="0"/>
-              <a:t>F</a:t>
-            </a:r>
-          </a:p>
-          <a:p>
-            <a:pPr algn="ctr"/>
-            <a:r>
-              <a:rPr lang="nl-NL" sz="1500" dirty="0"/>
-              <a:t>-38 °C</a:t>
-            </a:r>
-          </a:p>
-        </p:txBody>
-      </p:sp>
-      <p:sp>
-        <p:nvSpPr>
           <p:cNvPr id="19" name="Pijl: rechts 28">
             <a:extLst>
               <a:ext uri="{FF2B5EF4-FFF2-40B4-BE49-F238E27FC236}">
@@ -16036,7 +16016,7 @@
         <p:spPr>
           <a:xfrm>
             <a:off x="3928678" y="2851592"/>
-            <a:ext cx="4064948" cy="547711"/>
+            <a:ext cx="4064948" cy="669761"/>
           </a:xfrm>
           <a:prstGeom prst="rightArrow">
             <a:avLst/>
@@ -16104,8 +16084,8 @@
         </p:nvSpPr>
         <p:spPr>
           <a:xfrm>
-            <a:off x="3928678" y="3803459"/>
-            <a:ext cx="4064948" cy="547711"/>
+            <a:off x="3928678" y="3803458"/>
+            <a:ext cx="4064948" cy="669761"/>
           </a:xfrm>
           <a:prstGeom prst="rightArrow">
             <a:avLst/>
@@ -16243,7 +16223,7 @@
         </p:nvSpPr>
         <p:spPr>
           <a:xfrm>
-            <a:off x="5475748" y="3496454"/>
+            <a:off x="5535659" y="3496453"/>
             <a:ext cx="1240504" cy="400110"/>
           </a:xfrm>
           <a:prstGeom prst="rect">
@@ -16351,6 +16331,130 @@
             <a:r>
               <a:rPr lang="nl-NL" sz="2400" dirty="0"/>
               <a:t>leaving parcel</a:t>
+            </a:r>
+          </a:p>
+        </p:txBody>
+      </p:sp>
+      <p:sp>
+        <p:nvSpPr>
+          <p:cNvPr id="31" name="Pijl: omhoog 21">
+            <a:extLst>
+              <a:ext uri="{FF2B5EF4-FFF2-40B4-BE49-F238E27FC236}">
+                <a16:creationId xmlns:a16="http://schemas.microsoft.com/office/drawing/2014/main" id="{ECDC35C9-5C7F-4ACA-91FC-7470DA5D3872}"/>
+              </a:ext>
+            </a:extLst>
+          </p:cNvPr>
+          <p:cNvSpPr/>
+          <p:nvPr/>
+        </p:nvSpPr>
+        <p:spPr>
+          <a:xfrm>
+            <a:off x="1280560" y="4566990"/>
+            <a:ext cx="1121969" cy="1014399"/>
+          </a:xfrm>
+          <a:prstGeom prst="upArrow">
+            <a:avLst/>
+          </a:prstGeom>
+          <a:solidFill>
+            <a:srgbClr val="00B050"/>
+          </a:solidFill>
+          <a:ln>
+            <a:noFill/>
+          </a:ln>
+        </p:spPr>
+        <p:style>
+          <a:lnRef idx="2">
+            <a:schemeClr val="accent2">
+              <a:shade val="50000"/>
+            </a:schemeClr>
+          </a:lnRef>
+          <a:fillRef idx="1">
+            <a:schemeClr val="accent2"/>
+          </a:fillRef>
+          <a:effectRef idx="0">
+            <a:schemeClr val="accent2"/>
+          </a:effectRef>
+          <a:fontRef idx="minor">
+            <a:schemeClr val="lt1"/>
+          </a:fontRef>
+        </p:style>
+        <p:txBody>
+          <a:bodyPr rtlCol="0" anchor="ctr"/>
+          <a:lstStyle/>
+          <a:p>
+            <a:pPr algn="ctr"/>
+            <a:r>
+              <a:rPr lang="nl-NL" sz="2800" dirty="0"/>
+              <a:t>M</a:t>
+            </a:r>
+          </a:p>
+          <a:p>
+            <a:pPr algn="ctr"/>
+            <a:r>
+              <a:rPr lang="nl-NL" sz="1500" dirty="0"/>
+              <a:t>0 °C</a:t>
+            </a:r>
+          </a:p>
+        </p:txBody>
+      </p:sp>
+      <p:sp>
+        <p:nvSpPr>
+          <p:cNvPr id="32" name="Pijl: omlaag 22">
+            <a:extLst>
+              <a:ext uri="{FF2B5EF4-FFF2-40B4-BE49-F238E27FC236}">
+                <a16:creationId xmlns:a16="http://schemas.microsoft.com/office/drawing/2014/main" id="{FF683892-BA9B-4300-8F31-A656B84D35F9}"/>
+              </a:ext>
+            </a:extLst>
+          </p:cNvPr>
+          <p:cNvSpPr/>
+          <p:nvPr/>
+        </p:nvSpPr>
+        <p:spPr>
+          <a:xfrm>
+            <a:off x="3112154" y="4566991"/>
+            <a:ext cx="1007412" cy="1075558"/>
+          </a:xfrm>
+          <a:prstGeom prst="downArrow">
+            <a:avLst/>
+          </a:prstGeom>
+          <a:solidFill>
+            <a:srgbClr val="00B050"/>
+          </a:solidFill>
+          <a:ln>
+            <a:noFill/>
+          </a:ln>
+        </p:spPr>
+        <p:style>
+          <a:lnRef idx="2">
+            <a:schemeClr val="accent6">
+              <a:shade val="50000"/>
+            </a:schemeClr>
+          </a:lnRef>
+          <a:fillRef idx="1">
+            <a:schemeClr val="accent6"/>
+          </a:fillRef>
+          <a:effectRef idx="0">
+            <a:schemeClr val="accent6"/>
+          </a:effectRef>
+          <a:fontRef idx="minor">
+            <a:schemeClr val="lt1"/>
+          </a:fontRef>
+        </p:style>
+        <p:txBody>
+          <a:bodyPr rtlCol="0" anchor="ctr"/>
+          <a:lstStyle/>
+          <a:p>
+            <a:pPr algn="ctr"/>
+            <a:r>
+              <a:rPr lang="nl-NL" sz="3600" dirty="0"/>
+              <a:t>F</a:t>
+            </a:r>
+          </a:p>
+          <a:p>
+            <a:pPr algn="ctr"/>
+            <a:r>
+              <a:rPr lang="nl-NL" sz="1500" dirty="0"/>
+              <a:t>-38 °C</a:t>
             </a:r>
           </a:p>
         </p:txBody>

--- a/presentation.pptx
+++ b/presentation.pptx
@@ -2130,13 +2130,13 @@
     </pc:docChg>
   </pc:docChgLst>
   <pc:docChgLst>
-    <pc:chgData name="邱晨曦" userId="2835ca6ba4230f20" providerId="LiveId" clId="{AD9EB2E2-D2D7-4AE1-B785-FCA0E14A68F3}"/>
-  </pc:docChgLst>
-  <pc:docChgLst>
     <pc:chgData name="Chenxi Qiu" userId="2835ca6ba4230f20" providerId="LiveId" clId="{AD9EB2E2-D2D7-4AE1-B785-FCA0E14A68F3}"/>
   </pc:docChgLst>
   <pc:docChgLst>
     <pc:chgData name="Chenxi Qiu" userId="2835ca6ba4230f20" providerId="LiveId" clId="{F793DC24-2C81-4B49-8B25-55ABC7D1497A}"/>
+  </pc:docChgLst>
+  <pc:docChgLst>
+    <pc:chgData name="邱晨曦" userId="2835ca6ba4230f20" providerId="LiveId" clId="{AD9EB2E2-D2D7-4AE1-B785-FCA0E14A68F3}"/>
   </pc:docChgLst>
 </pc:chgInfo>
 </file>
@@ -2223,7 +2223,7 @@
           <a:p>
             <a:fld id="{64417070-8CBE-4ED4-865A-C8BADED1F847}" type="datetimeFigureOut">
               <a:rPr lang="en-GB" smtClean="0"/>
-              <a:t>29/10/2018</a:t>
+              <a:t>30/10/2018</a:t>
             </a:fld>
             <a:endParaRPr lang="en-GB"/>
           </a:p>
@@ -2382,7 +2382,7 @@
           <a:p>
             <a:fld id="{C61E236C-ED45-4AC6-9CA2-4EC327F175CB}" type="slidenum">
               <a:rPr lang="en-GB" smtClean="0"/>
-              <a:t>‹#›</a:t>
+              <a:t>‹nr.›</a:t>
             </a:fld>
             <a:endParaRPr lang="en-GB"/>
           </a:p>
@@ -4152,7 +4152,7 @@
           <a:p>
             <a:fld id="{10AD1E32-46C4-4A81-809E-204210A15EC3}" type="datetime1">
               <a:rPr lang="en-GB" smtClean="0"/>
-              <a:t>29/10/2018</a:t>
+              <a:t>30/10/2018</a:t>
             </a:fld>
             <a:endParaRPr lang="en-GB"/>
           </a:p>
@@ -4206,7 +4206,7 @@
           <a:p>
             <a:fld id="{B0CDDA0C-7CB0-4FC8-AC69-DD30E68A80BE}" type="slidenum">
               <a:rPr lang="en-GB" smtClean="0"/>
-              <a:t>‹#›</a:t>
+              <a:t>‹nr.›</a:t>
             </a:fld>
             <a:endParaRPr lang="en-GB"/>
           </a:p>
@@ -4352,7 +4352,7 @@
           <a:p>
             <a:fld id="{084DE410-36BC-4AE1-8006-CC19E3C2F8BB}" type="datetime1">
               <a:rPr lang="en-GB" smtClean="0"/>
-              <a:t>29/10/2018</a:t>
+              <a:t>30/10/2018</a:t>
             </a:fld>
             <a:endParaRPr lang="en-GB"/>
           </a:p>
@@ -4406,7 +4406,7 @@
           <a:p>
             <a:fld id="{B0CDDA0C-7CB0-4FC8-AC69-DD30E68A80BE}" type="slidenum">
               <a:rPr lang="en-GB" smtClean="0"/>
-              <a:t>‹#›</a:t>
+              <a:t>‹nr.›</a:t>
             </a:fld>
             <a:endParaRPr lang="en-GB"/>
           </a:p>
@@ -4562,7 +4562,7 @@
           <a:p>
             <a:fld id="{8A471B14-9BAB-4BFD-9E40-E5CE2250D3D2}" type="datetime1">
               <a:rPr lang="en-GB" smtClean="0"/>
-              <a:t>29/10/2018</a:t>
+              <a:t>30/10/2018</a:t>
             </a:fld>
             <a:endParaRPr lang="en-GB"/>
           </a:p>
@@ -4616,7 +4616,7 @@
           <a:p>
             <a:fld id="{B0CDDA0C-7CB0-4FC8-AC69-DD30E68A80BE}" type="slidenum">
               <a:rPr lang="en-GB" smtClean="0"/>
-              <a:t>‹#›</a:t>
+              <a:t>‹nr.›</a:t>
             </a:fld>
             <a:endParaRPr lang="en-GB"/>
           </a:p>
@@ -4762,7 +4762,7 @@
           <a:p>
             <a:fld id="{C31EE100-D611-42DB-A02D-861A59DDB369}" type="datetime1">
               <a:rPr lang="en-GB" smtClean="0"/>
-              <a:t>29/10/2018</a:t>
+              <a:t>30/10/2018</a:t>
             </a:fld>
             <a:endParaRPr lang="en-GB"/>
           </a:p>
@@ -4816,7 +4816,7 @@
           <a:p>
             <a:fld id="{B0CDDA0C-7CB0-4FC8-AC69-DD30E68A80BE}" type="slidenum">
               <a:rPr lang="en-GB" smtClean="0"/>
-              <a:t>‹#›</a:t>
+              <a:t>‹nr.›</a:t>
             </a:fld>
             <a:endParaRPr lang="en-GB"/>
           </a:p>
@@ -5038,7 +5038,7 @@
           <a:p>
             <a:fld id="{5B56911A-B814-442A-AB23-BE80595FE9CA}" type="datetime1">
               <a:rPr lang="en-GB" smtClean="0"/>
-              <a:t>29/10/2018</a:t>
+              <a:t>30/10/2018</a:t>
             </a:fld>
             <a:endParaRPr lang="en-GB"/>
           </a:p>
@@ -5092,7 +5092,7 @@
           <a:p>
             <a:fld id="{B0CDDA0C-7CB0-4FC8-AC69-DD30E68A80BE}" type="slidenum">
               <a:rPr lang="en-GB" smtClean="0"/>
-              <a:t>‹#›</a:t>
+              <a:t>‹nr.›</a:t>
             </a:fld>
             <a:endParaRPr lang="en-GB"/>
           </a:p>
@@ -5306,7 +5306,7 @@
           <a:p>
             <a:fld id="{C412DE6D-96DC-4734-AAF7-919428F68221}" type="datetime1">
               <a:rPr lang="en-GB" smtClean="0"/>
-              <a:t>29/10/2018</a:t>
+              <a:t>30/10/2018</a:t>
             </a:fld>
             <a:endParaRPr lang="en-GB"/>
           </a:p>
@@ -5360,7 +5360,7 @@
           <a:p>
             <a:fld id="{B0CDDA0C-7CB0-4FC8-AC69-DD30E68A80BE}" type="slidenum">
               <a:rPr lang="en-GB" smtClean="0"/>
-              <a:t>‹#›</a:t>
+              <a:t>‹nr.›</a:t>
             </a:fld>
             <a:endParaRPr lang="en-GB"/>
           </a:p>
@@ -5721,7 +5721,7 @@
           <a:p>
             <a:fld id="{4815D3B6-1612-4672-A5D2-6E9931C08D5B}" type="datetime1">
               <a:rPr lang="en-GB" smtClean="0"/>
-              <a:t>29/10/2018</a:t>
+              <a:t>30/10/2018</a:t>
             </a:fld>
             <a:endParaRPr lang="en-GB"/>
           </a:p>
@@ -5775,7 +5775,7 @@
           <a:p>
             <a:fld id="{B0CDDA0C-7CB0-4FC8-AC69-DD30E68A80BE}" type="slidenum">
               <a:rPr lang="en-GB" smtClean="0"/>
-              <a:t>‹#›</a:t>
+              <a:t>‹nr.›</a:t>
             </a:fld>
             <a:endParaRPr lang="en-GB"/>
           </a:p>
@@ -5863,7 +5863,7 @@
           <a:p>
             <a:fld id="{ADCFAB7A-A599-41E4-B0AD-9BA172D5FFF4}" type="datetime1">
               <a:rPr lang="en-GB" smtClean="0"/>
-              <a:t>29/10/2018</a:t>
+              <a:t>30/10/2018</a:t>
             </a:fld>
             <a:endParaRPr lang="en-GB"/>
           </a:p>
@@ -5917,7 +5917,7 @@
           <a:p>
             <a:fld id="{B0CDDA0C-7CB0-4FC8-AC69-DD30E68A80BE}" type="slidenum">
               <a:rPr lang="en-GB" smtClean="0"/>
-              <a:t>‹#›</a:t>
+              <a:t>‹nr.›</a:t>
             </a:fld>
             <a:endParaRPr lang="en-GB"/>
           </a:p>
@@ -5976,7 +5976,7 @@
           <a:p>
             <a:fld id="{211A4954-891E-4612-A4F8-7A1285C41384}" type="datetime1">
               <a:rPr lang="en-GB" smtClean="0"/>
-              <a:t>29/10/2018</a:t>
+              <a:t>30/10/2018</a:t>
             </a:fld>
             <a:endParaRPr lang="en-GB"/>
           </a:p>
@@ -6030,7 +6030,7 @@
           <a:p>
             <a:fld id="{B0CDDA0C-7CB0-4FC8-AC69-DD30E68A80BE}" type="slidenum">
               <a:rPr lang="en-GB" smtClean="0"/>
-              <a:t>‹#›</a:t>
+              <a:t>‹nr.›</a:t>
             </a:fld>
             <a:endParaRPr lang="en-GB"/>
           </a:p>
@@ -6289,7 +6289,7 @@
           <a:p>
             <a:fld id="{1A1044F7-42A8-44AA-B499-335D7E2AEFD6}" type="datetime1">
               <a:rPr lang="en-GB" smtClean="0"/>
-              <a:t>29/10/2018</a:t>
+              <a:t>30/10/2018</a:t>
             </a:fld>
             <a:endParaRPr lang="en-GB"/>
           </a:p>
@@ -6343,7 +6343,7 @@
           <a:p>
             <a:fld id="{B0CDDA0C-7CB0-4FC8-AC69-DD30E68A80BE}" type="slidenum">
               <a:rPr lang="en-GB" smtClean="0"/>
-              <a:t>‹#›</a:t>
+              <a:t>‹nr.›</a:t>
             </a:fld>
             <a:endParaRPr lang="en-GB"/>
           </a:p>
@@ -6582,7 +6582,7 @@
           <a:p>
             <a:fld id="{17753C9E-98A5-46E6-A35E-8EC0A8D26578}" type="datetime1">
               <a:rPr lang="en-GB" smtClean="0"/>
-              <a:t>29/10/2018</a:t>
+              <a:t>30/10/2018</a:t>
             </a:fld>
             <a:endParaRPr lang="en-GB"/>
           </a:p>
@@ -6636,7 +6636,7 @@
           <a:p>
             <a:fld id="{B0CDDA0C-7CB0-4FC8-AC69-DD30E68A80BE}" type="slidenum">
               <a:rPr lang="en-GB" smtClean="0"/>
-              <a:t>‹#›</a:t>
+              <a:t>‹nr.›</a:t>
             </a:fld>
             <a:endParaRPr lang="en-GB"/>
           </a:p>
@@ -6828,7 +6828,7 @@
           <a:p>
             <a:fld id="{9C5804AA-CC4A-4653-BC30-32023C9643F0}" type="datetime1">
               <a:rPr lang="en-GB" smtClean="0"/>
-              <a:t>29/10/2018</a:t>
+              <a:t>30/10/2018</a:t>
             </a:fld>
             <a:endParaRPr lang="en-GB"/>
           </a:p>
@@ -6918,7 +6918,7 @@
           <a:p>
             <a:fld id="{B0CDDA0C-7CB0-4FC8-AC69-DD30E68A80BE}" type="slidenum">
               <a:rPr lang="en-GB" smtClean="0"/>
-              <a:t>‹#›</a:t>
+              <a:t>‹nr.›</a:t>
             </a:fld>
             <a:endParaRPr lang="en-GB"/>
           </a:p>
@@ -10467,7 +10467,7 @@
         </p:nvCxnSpPr>
         <p:spPr>
           <a:xfrm>
-            <a:off x="2096324" y="4236883"/>
+            <a:off x="2402604" y="4684223"/>
             <a:ext cx="470788" cy="1"/>
           </a:xfrm>
           <a:prstGeom prst="straightConnector1">

--- a/presentation.pptx
+++ b/presentation.pptx
@@ -2223,7 +2223,7 @@
           <a:p>
             <a:fld id="{64417070-8CBE-4ED4-865A-C8BADED1F847}" type="datetimeFigureOut">
               <a:rPr lang="en-GB" smtClean="0"/>
-              <a:t>30/10/2018</a:t>
+              <a:t>31/10/2018</a:t>
             </a:fld>
             <a:endParaRPr lang="en-GB"/>
           </a:p>
@@ -4152,7 +4152,7 @@
           <a:p>
             <a:fld id="{10AD1E32-46C4-4A81-809E-204210A15EC3}" type="datetime1">
               <a:rPr lang="en-GB" smtClean="0"/>
-              <a:t>30/10/2018</a:t>
+              <a:t>31/10/2018</a:t>
             </a:fld>
             <a:endParaRPr lang="en-GB"/>
           </a:p>
@@ -4352,7 +4352,7 @@
           <a:p>
             <a:fld id="{084DE410-36BC-4AE1-8006-CC19E3C2F8BB}" type="datetime1">
               <a:rPr lang="en-GB" smtClean="0"/>
-              <a:t>30/10/2018</a:t>
+              <a:t>31/10/2018</a:t>
             </a:fld>
             <a:endParaRPr lang="en-GB"/>
           </a:p>
@@ -4562,7 +4562,7 @@
           <a:p>
             <a:fld id="{8A471B14-9BAB-4BFD-9E40-E5CE2250D3D2}" type="datetime1">
               <a:rPr lang="en-GB" smtClean="0"/>
-              <a:t>30/10/2018</a:t>
+              <a:t>31/10/2018</a:t>
             </a:fld>
             <a:endParaRPr lang="en-GB"/>
           </a:p>
@@ -4762,7 +4762,7 @@
           <a:p>
             <a:fld id="{C31EE100-D611-42DB-A02D-861A59DDB369}" type="datetime1">
               <a:rPr lang="en-GB" smtClean="0"/>
-              <a:t>30/10/2018</a:t>
+              <a:t>31/10/2018</a:t>
             </a:fld>
             <a:endParaRPr lang="en-GB"/>
           </a:p>
@@ -5038,7 +5038,7 @@
           <a:p>
             <a:fld id="{5B56911A-B814-442A-AB23-BE80595FE9CA}" type="datetime1">
               <a:rPr lang="en-GB" smtClean="0"/>
-              <a:t>30/10/2018</a:t>
+              <a:t>31/10/2018</a:t>
             </a:fld>
             <a:endParaRPr lang="en-GB"/>
           </a:p>
@@ -5306,7 +5306,7 @@
           <a:p>
             <a:fld id="{C412DE6D-96DC-4734-AAF7-919428F68221}" type="datetime1">
               <a:rPr lang="en-GB" smtClean="0"/>
-              <a:t>30/10/2018</a:t>
+              <a:t>31/10/2018</a:t>
             </a:fld>
             <a:endParaRPr lang="en-GB"/>
           </a:p>
@@ -5721,7 +5721,7 @@
           <a:p>
             <a:fld id="{4815D3B6-1612-4672-A5D2-6E9931C08D5B}" type="datetime1">
               <a:rPr lang="en-GB" smtClean="0"/>
-              <a:t>30/10/2018</a:t>
+              <a:t>31/10/2018</a:t>
             </a:fld>
             <a:endParaRPr lang="en-GB"/>
           </a:p>
@@ -5863,7 +5863,7 @@
           <a:p>
             <a:fld id="{ADCFAB7A-A599-41E4-B0AD-9BA172D5FFF4}" type="datetime1">
               <a:rPr lang="en-GB" smtClean="0"/>
-              <a:t>30/10/2018</a:t>
+              <a:t>31/10/2018</a:t>
             </a:fld>
             <a:endParaRPr lang="en-GB"/>
           </a:p>
@@ -5976,7 +5976,7 @@
           <a:p>
             <a:fld id="{211A4954-891E-4612-A4F8-7A1285C41384}" type="datetime1">
               <a:rPr lang="en-GB" smtClean="0"/>
-              <a:t>30/10/2018</a:t>
+              <a:t>31/10/2018</a:t>
             </a:fld>
             <a:endParaRPr lang="en-GB"/>
           </a:p>
@@ -6289,7 +6289,7 @@
           <a:p>
             <a:fld id="{1A1044F7-42A8-44AA-B499-335D7E2AEFD6}" type="datetime1">
               <a:rPr lang="en-GB" smtClean="0"/>
-              <a:t>30/10/2018</a:t>
+              <a:t>31/10/2018</a:t>
             </a:fld>
             <a:endParaRPr lang="en-GB"/>
           </a:p>
@@ -6582,7 +6582,7 @@
           <a:p>
             <a:fld id="{17753C9E-98A5-46E6-A35E-8EC0A8D26578}" type="datetime1">
               <a:rPr lang="en-GB" smtClean="0"/>
-              <a:t>30/10/2018</a:t>
+              <a:t>31/10/2018</a:t>
             </a:fld>
             <a:endParaRPr lang="en-GB"/>
           </a:p>
@@ -6828,7 +6828,7 @@
           <a:p>
             <a:fld id="{9C5804AA-CC4A-4653-BC30-32023C9643F0}" type="datetime1">
               <a:rPr lang="en-GB" smtClean="0"/>
-              <a:t>30/10/2018</a:t>
+              <a:t>31/10/2018</a:t>
             </a:fld>
             <a:endParaRPr lang="en-GB"/>
           </a:p>
@@ -13379,9 +13379,10 @@
           <a:p>
             <a:pPr algn="ctr"/>
             <a:r>
-              <a:rPr lang="nl-NL" sz="2400" dirty="0"/>
-              <a:t>Melting</a:t>
-            </a:r>
+              <a:rPr lang="nl-NL" sz="2400" dirty="0" err="1"/>
+              <a:t>Condensation</a:t>
+            </a:r>
+            <a:endParaRPr lang="nl-NL" sz="2400" dirty="0"/>
           </a:p>
         </p:txBody>
       </p:sp>

--- a/presentation.pptx
+++ b/presentation.pptx
@@ -13547,7 +13547,7 @@
         </p:nvSpPr>
         <p:spPr>
           <a:xfrm flipH="1">
-            <a:off x="7319481" y="3797707"/>
+            <a:off x="7319480" y="4402797"/>
             <a:ext cx="2711205" cy="576212"/>
           </a:xfrm>
           <a:prstGeom prst="leftArrow">
@@ -13596,8 +13596,8 @@
         </p:nvSpPr>
         <p:spPr>
           <a:xfrm flipH="1">
-            <a:off x="7319476" y="4373919"/>
-            <a:ext cx="2711205" cy="576212"/>
+            <a:off x="7268425" y="3759374"/>
+            <a:ext cx="2762259" cy="576212"/>
           </a:xfrm>
           <a:prstGeom prst="leftArrow">
             <a:avLst/>
@@ -13645,8 +13645,8 @@
         </p:nvSpPr>
         <p:spPr>
           <a:xfrm>
-            <a:off x="2212369" y="3732245"/>
-            <a:ext cx="2695362" cy="601491"/>
+            <a:off x="2161313" y="3759374"/>
+            <a:ext cx="2695362" cy="643423"/>
           </a:xfrm>
           <a:prstGeom prst="rightArrow">
             <a:avLst/>

--- a/presentation.pptx
+++ b/presentation.pptx
@@ -16016,7 +16016,7 @@
         </p:nvSpPr>
         <p:spPr>
           <a:xfrm>
-            <a:off x="3928678" y="2851592"/>
+            <a:off x="3928678" y="4061823"/>
             <a:ext cx="4064948" cy="669761"/>
           </a:xfrm>
           <a:prstGeom prst="rightArrow">
@@ -16085,7 +16085,7 @@
         </p:nvSpPr>
         <p:spPr>
           <a:xfrm>
-            <a:off x="3928678" y="3803458"/>
+            <a:off x="3928678" y="5013689"/>
             <a:ext cx="4064948" cy="669761"/>
           </a:xfrm>
           <a:prstGeom prst="rightArrow">
@@ -16167,7 +16167,7 @@
         </p:blipFill>
         <p:spPr>
           <a:xfrm>
-            <a:off x="8342359" y="2571679"/>
+            <a:off x="8342359" y="3781910"/>
             <a:ext cx="1581444" cy="2108592"/>
           </a:xfrm>
           <a:prstGeom prst="rect">
@@ -16189,7 +16189,7 @@
         </p:nvSpPr>
         <p:spPr>
           <a:xfrm>
-            <a:off x="5475748" y="2537353"/>
+            <a:off x="5475748" y="3778558"/>
             <a:ext cx="1240504" cy="400110"/>
           </a:xfrm>
           <a:prstGeom prst="rect">
@@ -16224,7 +16224,7 @@
         </p:nvSpPr>
         <p:spPr>
           <a:xfrm>
-            <a:off x="5535659" y="3496453"/>
+            <a:off x="5520194" y="4807386"/>
             <a:ext cx="1240504" cy="400110"/>
           </a:xfrm>
           <a:prstGeom prst="rect">
@@ -16260,8 +16260,8 @@
         </p:nvSpPr>
         <p:spPr>
           <a:xfrm>
-            <a:off x="4563230" y="2176623"/>
-            <a:ext cx="5599237" cy="3091590"/>
+            <a:off x="4563230" y="3386854"/>
+            <a:ext cx="5599237" cy="2782478"/>
           </a:xfrm>
           <a:prstGeom prst="rect">
             <a:avLst/>

--- a/presentation.pptx
+++ b/presentation.pptx
@@ -10827,12 +10827,128 @@
           </a:p>
         </p:txBody>
       </p:sp>
+      <p:sp>
+        <p:nvSpPr>
+          <p:cNvPr id="44" name="Tijdelijke aanduiding voor inhoud 2">
+            <a:extLst>
+              <a:ext uri="{FF2B5EF4-FFF2-40B4-BE49-F238E27FC236}">
+                <a16:creationId xmlns:a16="http://schemas.microsoft.com/office/drawing/2014/main" id="{5080098B-FA06-4908-929F-16C515C3F572}"/>
+              </a:ext>
+            </a:extLst>
+          </p:cNvPr>
+          <p:cNvSpPr>
+            <a:spLocks noGrp="1"/>
+          </p:cNvSpPr>
+          <p:nvPr>
+            <p:ph idx="1"/>
+          </p:nvPr>
+        </p:nvSpPr>
+        <p:spPr>
+          <a:xfrm>
+            <a:off x="569471" y="1825625"/>
+            <a:ext cx="5257800" cy="4351338"/>
+          </a:xfrm>
+        </p:spPr>
+        <p:txBody>
+          <a:bodyPr>
+            <a:normAutofit/>
+          </a:bodyPr>
+          <a:lstStyle/>
+          <a:p>
+            <a:r>
+              <a:rPr lang="nl-NL" sz="2600" dirty="0"/>
+              <a:t>Reference </a:t>
+            </a:r>
+            <a:r>
+              <a:rPr lang="nl-NL" sz="2600" dirty="0" err="1"/>
+              <a:t>value</a:t>
+            </a:r>
+            <a:r>
+              <a:rPr lang="nl-NL" sz="2600" dirty="0"/>
+              <a:t>: </a:t>
+            </a:r>
+            <a:r>
+              <a:rPr lang="nl-NL" sz="2600" dirty="0" err="1"/>
+              <a:t>reasonable</a:t>
+            </a:r>
+            <a:r>
+              <a:rPr lang="nl-NL" sz="2600" dirty="0"/>
+              <a:t> </a:t>
+            </a:r>
+            <a:r>
+              <a:rPr lang="nl-NL" sz="2600" dirty="0" err="1"/>
+              <a:t>values</a:t>
+            </a:r>
+            <a:r>
+              <a:rPr lang="nl-NL" sz="2600" dirty="0"/>
+              <a:t> 300-5000 m</a:t>
+            </a:r>
+          </a:p>
+          <a:p>
+            <a:r>
+              <a:rPr lang="nl-NL" sz="2600" dirty="0"/>
+              <a:t>Smaller </a:t>
+            </a:r>
+            <a:r>
+              <a:rPr lang="nl-NL" sz="2600" dirty="0" err="1"/>
+              <a:t>clouds</a:t>
+            </a:r>
+            <a:r>
+              <a:rPr lang="nl-NL" sz="2600" dirty="0"/>
+              <a:t> have </a:t>
+            </a:r>
+            <a:r>
+              <a:rPr lang="nl-NL" sz="2600" dirty="0" err="1"/>
+              <a:t>relevance</a:t>
+            </a:r>
+            <a:r>
+              <a:rPr lang="nl-NL" sz="2600" dirty="0"/>
+              <a:t> </a:t>
+            </a:r>
+            <a:r>
+              <a:rPr lang="nl-NL" sz="2600" dirty="0" err="1"/>
+              <a:t>for</a:t>
+            </a:r>
+            <a:r>
+              <a:rPr lang="nl-NL" sz="2600" dirty="0"/>
+              <a:t> </a:t>
+            </a:r>
+            <a:r>
+              <a:rPr lang="nl-NL" sz="2600" dirty="0" err="1"/>
+              <a:t>environmental</a:t>
+            </a:r>
+            <a:r>
+              <a:rPr lang="nl-NL" sz="2600" dirty="0"/>
+              <a:t> </a:t>
+            </a:r>
+            <a:r>
+              <a:rPr lang="nl-NL" sz="2600" dirty="0" err="1"/>
+              <a:t>moisture</a:t>
+            </a:r>
+            <a:r>
+              <a:rPr lang="nl-NL" sz="2600" dirty="0"/>
+              <a:t> at </a:t>
+            </a:r>
+            <a:r>
+              <a:rPr lang="nl-NL" sz="2600" dirty="0" err="1"/>
+              <a:t>z</a:t>
+            </a:r>
+            <a:r>
+              <a:rPr lang="nl-NL" sz="2600" dirty="0"/>
+              <a:t> = 2.5-3 km</a:t>
+            </a:r>
+          </a:p>
+          <a:p>
+            <a:endParaRPr lang="nl-NL" dirty="0"/>
+          </a:p>
+        </p:txBody>
+      </p:sp>
       <p:pic>
         <p:nvPicPr>
-          <p:cNvPr id="43" name="Afbeelding 3">
-            <a:extLst>
-              <a:ext uri="{FF2B5EF4-FFF2-40B4-BE49-F238E27FC236}">
-                <a16:creationId xmlns:a16="http://schemas.microsoft.com/office/drawing/2014/main" id="{5306231B-5461-4CDF-A1A6-0E530C09FBBB}"/>
+          <p:cNvPr id="3" name="Afbeelding 2">
+            <a:extLst>
+              <a:ext uri="{FF2B5EF4-FFF2-40B4-BE49-F238E27FC236}">
+                <a16:creationId xmlns:a16="http://schemas.microsoft.com/office/drawing/2014/main" id="{923D5315-8C6F-4F0F-8150-6A706A94E72A}"/>
               </a:ext>
             </a:extLst>
           </p:cNvPr>
@@ -10849,130 +10965,14 @@
         </p:blipFill>
         <p:spPr>
           <a:xfrm>
-            <a:off x="5989547" y="1825625"/>
-            <a:ext cx="6040177" cy="4036864"/>
+            <a:off x="5827742" y="1653988"/>
+            <a:ext cx="6296989" cy="4208501"/>
           </a:xfrm>
           <a:prstGeom prst="rect">
             <a:avLst/>
           </a:prstGeom>
         </p:spPr>
       </p:pic>
-      <p:sp>
-        <p:nvSpPr>
-          <p:cNvPr id="44" name="Tijdelijke aanduiding voor inhoud 2">
-            <a:extLst>
-              <a:ext uri="{FF2B5EF4-FFF2-40B4-BE49-F238E27FC236}">
-                <a16:creationId xmlns:a16="http://schemas.microsoft.com/office/drawing/2014/main" id="{5080098B-FA06-4908-929F-16C515C3F572}"/>
-              </a:ext>
-            </a:extLst>
-          </p:cNvPr>
-          <p:cNvSpPr>
-            <a:spLocks noGrp="1"/>
-          </p:cNvSpPr>
-          <p:nvPr>
-            <p:ph idx="1"/>
-          </p:nvPr>
-        </p:nvSpPr>
-        <p:spPr>
-          <a:xfrm>
-            <a:off x="569471" y="1825625"/>
-            <a:ext cx="5257800" cy="4351338"/>
-          </a:xfrm>
-        </p:spPr>
-        <p:txBody>
-          <a:bodyPr>
-            <a:normAutofit/>
-          </a:bodyPr>
-          <a:lstStyle/>
-          <a:p>
-            <a:r>
-              <a:rPr lang="nl-NL" sz="2600" dirty="0"/>
-              <a:t>Reference </a:t>
-            </a:r>
-            <a:r>
-              <a:rPr lang="nl-NL" sz="2600" dirty="0" err="1"/>
-              <a:t>value</a:t>
-            </a:r>
-            <a:r>
-              <a:rPr lang="nl-NL" sz="2600" dirty="0"/>
-              <a:t>: </a:t>
-            </a:r>
-            <a:r>
-              <a:rPr lang="nl-NL" sz="2600" dirty="0" err="1"/>
-              <a:t>reasonable</a:t>
-            </a:r>
-            <a:r>
-              <a:rPr lang="nl-NL" sz="2600" dirty="0"/>
-              <a:t> </a:t>
-            </a:r>
-            <a:r>
-              <a:rPr lang="nl-NL" sz="2600" dirty="0" err="1"/>
-              <a:t>values</a:t>
-            </a:r>
-            <a:r>
-              <a:rPr lang="nl-NL" sz="2600" dirty="0"/>
-              <a:t> 300-5000 m</a:t>
-            </a:r>
-          </a:p>
-          <a:p>
-            <a:r>
-              <a:rPr lang="nl-NL" sz="2600" dirty="0"/>
-              <a:t>Smaller </a:t>
-            </a:r>
-            <a:r>
-              <a:rPr lang="nl-NL" sz="2600" dirty="0" err="1"/>
-              <a:t>clouds</a:t>
-            </a:r>
-            <a:r>
-              <a:rPr lang="nl-NL" sz="2600" dirty="0"/>
-              <a:t> have </a:t>
-            </a:r>
-            <a:r>
-              <a:rPr lang="nl-NL" sz="2600" dirty="0" err="1"/>
-              <a:t>relevance</a:t>
-            </a:r>
-            <a:r>
-              <a:rPr lang="nl-NL" sz="2600" dirty="0"/>
-              <a:t> </a:t>
-            </a:r>
-            <a:r>
-              <a:rPr lang="nl-NL" sz="2600" dirty="0" err="1"/>
-              <a:t>for</a:t>
-            </a:r>
-            <a:r>
-              <a:rPr lang="nl-NL" sz="2600" dirty="0"/>
-              <a:t> </a:t>
-            </a:r>
-            <a:r>
-              <a:rPr lang="nl-NL" sz="2600" dirty="0" err="1"/>
-              <a:t>environmental</a:t>
-            </a:r>
-            <a:r>
-              <a:rPr lang="nl-NL" sz="2600" dirty="0"/>
-              <a:t> </a:t>
-            </a:r>
-            <a:r>
-              <a:rPr lang="nl-NL" sz="2600" dirty="0" err="1"/>
-              <a:t>moisture</a:t>
-            </a:r>
-            <a:r>
-              <a:rPr lang="nl-NL" sz="2600" dirty="0"/>
-              <a:t> at </a:t>
-            </a:r>
-            <a:r>
-              <a:rPr lang="nl-NL" sz="2600" dirty="0" err="1"/>
-              <a:t>z</a:t>
-            </a:r>
-            <a:r>
-              <a:rPr lang="nl-NL" sz="2600" dirty="0"/>
-              <a:t> = 2.5-3 km</a:t>
-            </a:r>
-          </a:p>
-          <a:p>
-            <a:endParaRPr lang="nl-NL" dirty="0"/>
-          </a:p>
-        </p:txBody>
-      </p:sp>
     </p:spTree>
     <p:extLst>
       <p:ext uri="{BB962C8B-B14F-4D97-AF65-F5344CB8AC3E}">

--- a/presentation.pptx
+++ b/presentation.pptx
@@ -12874,30 +12874,45 @@
           <a:p>
             <a:pPr algn="ctr"/>
             <a:r>
+              <a:rPr lang="nl-NL" dirty="0" err="1"/>
+              <a:t>Entrainment</a:t>
+            </a:r>
+            <a:endParaRPr lang="nl-NL" dirty="0"/>
+          </a:p>
+          <a:p>
+            <a:pPr algn="ctr"/>
+            <a:endParaRPr lang="nl-NL" dirty="0"/>
+          </a:p>
+          <a:p>
+            <a:pPr algn="ctr"/>
+            <a:r>
+              <a:rPr lang="nl-NL" dirty="0" err="1"/>
+              <a:t>Phase</a:t>
+            </a:r>
+            <a:r>
+              <a:rPr lang="nl-NL" dirty="0"/>
+              <a:t> of </a:t>
+            </a:r>
+            <a:r>
+              <a:rPr lang="nl-NL" dirty="0" err="1"/>
+              <a:t>cloud</a:t>
+            </a:r>
+            <a:r>
+              <a:rPr lang="nl-NL" dirty="0"/>
+              <a:t> (liquid/ice/mixed)</a:t>
+            </a:r>
+          </a:p>
+          <a:p>
+            <a:pPr marL="0" indent="0" algn="ctr">
+              <a:buNone/>
+            </a:pPr>
+            <a:endParaRPr lang="nl-NL" dirty="0"/>
+          </a:p>
+          <a:p>
+            <a:pPr algn="ctr"/>
+            <a:r>
               <a:rPr lang="nl-NL" dirty="0"/>
               <a:t>Environment</a:t>
-            </a:r>
-          </a:p>
-          <a:p>
-            <a:pPr algn="ctr"/>
-            <a:endParaRPr lang="nl-NL" dirty="0"/>
-          </a:p>
-          <a:p>
-            <a:pPr algn="ctr"/>
-            <a:r>
-              <a:rPr lang="nl-NL" dirty="0"/>
-              <a:t>Phase of cloud (liquid/ice/mixed)</a:t>
-            </a:r>
-          </a:p>
-          <a:p>
-            <a:pPr algn="ctr"/>
-            <a:endParaRPr lang="nl-NL" dirty="0"/>
-          </a:p>
-          <a:p>
-            <a:pPr algn="ctr"/>
-            <a:r>
-              <a:rPr lang="nl-NL" dirty="0"/>
-              <a:t>Entrainment</a:t>
             </a:r>
           </a:p>
           <a:p>

--- a/presentation.pptx
+++ b/presentation.pptx
@@ -197,7 +197,7 @@
   <pc:docChgLst>
     <pc:chgData name="Chenxi Qiu" userId="2835ca6ba4230f20" providerId="LiveId" clId="{4B5B707E-E00E-48F1-92A5-1740B72E747E}"/>
     <pc:docChg chg="undo custSel addSld delSld modSld sldOrd modSection">
-      <pc:chgData name="Chenxi Qiu" userId="2835ca6ba4230f20" providerId="LiveId" clId="{4B5B707E-E00E-48F1-92A5-1740B72E747E}" dt="2018-10-29T18:46:34.796" v="1780" actId="1076"/>
+      <pc:chgData name="Chenxi Qiu" userId="2835ca6ba4230f20" providerId="LiveId" clId="{4B5B707E-E00E-48F1-92A5-1740B72E747E}" dt="2018-10-31T14:24:41.441" v="1789" actId="403"/>
       <pc:docMkLst>
         <pc:docMk/>
       </pc:docMkLst>
@@ -262,20 +262,6 @@
             <ac:spMk id="3" creationId="{E08B0FE8-EDA5-4EC2-AE15-F5673C804036}"/>
           </ac:spMkLst>
         </pc:spChg>
-      </pc:sldChg>
-      <pc:sldChg chg="del">
-        <pc:chgData name="Chenxi Qiu" userId="2835ca6ba4230f20" providerId="LiveId" clId="{4B5B707E-E00E-48F1-92A5-1740B72E747E}" dt="2018-10-29T13:59:26.032" v="1344" actId="2696"/>
-        <pc:sldMkLst>
-          <pc:docMk/>
-          <pc:sldMk cId="1760259611" sldId="260"/>
-        </pc:sldMkLst>
-      </pc:sldChg>
-      <pc:sldChg chg="del">
-        <pc:chgData name="Chenxi Qiu" userId="2835ca6ba4230f20" providerId="LiveId" clId="{4B5B707E-E00E-48F1-92A5-1740B72E747E}" dt="2018-10-29T14:28:01.388" v="1714" actId="2696"/>
-        <pc:sldMkLst>
-          <pc:docMk/>
-          <pc:sldMk cId="3086115699" sldId="261"/>
-        </pc:sldMkLst>
       </pc:sldChg>
       <pc:sldChg chg="addSp delSp modSp ord setBg modNotesTx">
         <pc:chgData name="Chenxi Qiu" userId="2835ca6ba4230f20" providerId="LiveId" clId="{4B5B707E-E00E-48F1-92A5-1740B72E747E}" dt="2018-10-29T18:45:39.556" v="1774" actId="14100"/>
@@ -620,64 +606,8 @@
           </ac:cxnSpMkLst>
         </pc:cxnChg>
       </pc:sldChg>
-      <pc:sldChg chg="del">
-        <pc:chgData name="Chenxi Qiu" userId="2835ca6ba4230f20" providerId="LiveId" clId="{4B5B707E-E00E-48F1-92A5-1740B72E747E}" dt="2018-10-29T14:28:01.496" v="1715" actId="2696"/>
-        <pc:sldMkLst>
-          <pc:docMk/>
-          <pc:sldMk cId="3618464317" sldId="263"/>
-        </pc:sldMkLst>
-      </pc:sldChg>
-      <pc:sldChg chg="del">
-        <pc:chgData name="Chenxi Qiu" userId="2835ca6ba4230f20" providerId="LiveId" clId="{4B5B707E-E00E-48F1-92A5-1740B72E747E}" dt="2018-10-29T14:28:01.587" v="1717" actId="2696"/>
-        <pc:sldMkLst>
-          <pc:docMk/>
-          <pc:sldMk cId="142704091" sldId="265"/>
-        </pc:sldMkLst>
-      </pc:sldChg>
-      <pc:sldChg chg="del ord">
-        <pc:chgData name="Chenxi Qiu" userId="2835ca6ba4230f20" providerId="LiveId" clId="{4B5B707E-E00E-48F1-92A5-1740B72E747E}" dt="2018-10-29T14:28:01.533" v="1716" actId="2696"/>
-        <pc:sldMkLst>
-          <pc:docMk/>
-          <pc:sldMk cId="1887318553" sldId="266"/>
-        </pc:sldMkLst>
-      </pc:sldChg>
-      <pc:sldChg chg="del">
-        <pc:chgData name="Chenxi Qiu" userId="2835ca6ba4230f20" providerId="LiveId" clId="{4B5B707E-E00E-48F1-92A5-1740B72E747E}" dt="2018-10-29T14:28:01.642" v="1718" actId="2696"/>
-        <pc:sldMkLst>
-          <pc:docMk/>
-          <pc:sldMk cId="2391635472" sldId="267"/>
-        </pc:sldMkLst>
-      </pc:sldChg>
-      <pc:sldChg chg="del">
-        <pc:chgData name="Chenxi Qiu" userId="2835ca6ba4230f20" providerId="LiveId" clId="{4B5B707E-E00E-48F1-92A5-1740B72E747E}" dt="2018-10-29T14:28:01.679" v="1719" actId="2696"/>
-        <pc:sldMkLst>
-          <pc:docMk/>
-          <pc:sldMk cId="3374900535" sldId="268"/>
-        </pc:sldMkLst>
-      </pc:sldChg>
-      <pc:sldChg chg="del">
-        <pc:chgData name="Chenxi Qiu" userId="2835ca6ba4230f20" providerId="LiveId" clId="{4B5B707E-E00E-48F1-92A5-1740B72E747E}" dt="2018-10-29T11:47:37.179" v="53" actId="2696"/>
-        <pc:sldMkLst>
-          <pc:docMk/>
-          <pc:sldMk cId="2196083673" sldId="272"/>
-        </pc:sldMkLst>
-      </pc:sldChg>
-      <pc:sldChg chg="del">
-        <pc:chgData name="Chenxi Qiu" userId="2835ca6ba4230f20" providerId="LiveId" clId="{4B5B707E-E00E-48F1-92A5-1740B72E747E}" dt="2018-10-29T11:47:37.168" v="52" actId="2696"/>
-        <pc:sldMkLst>
-          <pc:docMk/>
-          <pc:sldMk cId="2341335787" sldId="273"/>
-        </pc:sldMkLst>
-      </pc:sldChg>
-      <pc:sldChg chg="del">
-        <pc:chgData name="Chenxi Qiu" userId="2835ca6ba4230f20" providerId="LiveId" clId="{4B5B707E-E00E-48F1-92A5-1740B72E747E}" dt="2018-10-29T11:47:37.160" v="51" actId="2696"/>
-        <pc:sldMkLst>
-          <pc:docMk/>
-          <pc:sldMk cId="706534373" sldId="274"/>
-        </pc:sldMkLst>
-      </pc:sldChg>
       <pc:sldChg chg="modSp">
-        <pc:chgData name="Chenxi Qiu" userId="2835ca6ba4230f20" providerId="LiveId" clId="{4B5B707E-E00E-48F1-92A5-1740B72E747E}" dt="2018-10-29T18:43:37.652" v="1755"/>
+        <pc:chgData name="Chenxi Qiu" userId="2835ca6ba4230f20" providerId="LiveId" clId="{4B5B707E-E00E-48F1-92A5-1740B72E747E}" dt="2018-10-31T14:23:52.179" v="1781" actId="1076"/>
         <pc:sldMkLst>
           <pc:docMk/>
           <pc:sldMk cId="2031246863" sldId="276"/>
@@ -699,27 +629,13 @@
           </ac:picMkLst>
         </pc:picChg>
         <pc:picChg chg="mod">
-          <ac:chgData name="Chenxi Qiu" userId="2835ca6ba4230f20" providerId="LiveId" clId="{4B5B707E-E00E-48F1-92A5-1740B72E747E}" dt="2018-10-29T18:43:37.652" v="1755"/>
+          <ac:chgData name="Chenxi Qiu" userId="2835ca6ba4230f20" providerId="LiveId" clId="{4B5B707E-E00E-48F1-92A5-1740B72E747E}" dt="2018-10-31T14:23:52.179" v="1781" actId="1076"/>
           <ac:picMkLst>
             <pc:docMk/>
             <pc:sldMk cId="2031246863" sldId="276"/>
             <ac:picMk id="4" creationId="{E313546B-7F74-44B6-8571-DE1A0953DCD0}"/>
           </ac:picMkLst>
         </pc:picChg>
-      </pc:sldChg>
-      <pc:sldChg chg="del">
-        <pc:chgData name="Chenxi Qiu" userId="2835ca6ba4230f20" providerId="LiveId" clId="{4B5B707E-E00E-48F1-92A5-1740B72E747E}" dt="2018-10-29T14:28:01.713" v="1720" actId="2696"/>
-        <pc:sldMkLst>
-          <pc:docMk/>
-          <pc:sldMk cId="1725893449" sldId="277"/>
-        </pc:sldMkLst>
-      </pc:sldChg>
-      <pc:sldChg chg="del">
-        <pc:chgData name="Chenxi Qiu" userId="2835ca6ba4230f20" providerId="LiveId" clId="{4B5B707E-E00E-48F1-92A5-1740B72E747E}" dt="2018-10-29T14:28:01.837" v="1722" actId="2696"/>
-        <pc:sldMkLst>
-          <pc:docMk/>
-          <pc:sldMk cId="4263561559" sldId="278"/>
-        </pc:sldMkLst>
       </pc:sldChg>
       <pc:sldChg chg="addSp delSp modSp ord modNotesTx">
         <pc:chgData name="Chenxi Qiu" userId="2835ca6ba4230f20" providerId="LiveId" clId="{4B5B707E-E00E-48F1-92A5-1740B72E747E}" dt="2018-10-29T14:19:04.948" v="1599" actId="1076"/>
@@ -848,318 +764,6 @@
           </ac:cxnSpMkLst>
         </pc:cxnChg>
       </pc:sldChg>
-      <pc:sldChg chg="del">
-        <pc:chgData name="Chenxi Qiu" userId="2835ca6ba4230f20" providerId="LiveId" clId="{4B5B707E-E00E-48F1-92A5-1740B72E747E}" dt="2018-10-29T14:28:02.090" v="1723" actId="2696"/>
-        <pc:sldMkLst>
-          <pc:docMk/>
-          <pc:sldMk cId="2259097557" sldId="280"/>
-        </pc:sldMkLst>
-      </pc:sldChg>
-      <pc:sldChg chg="del">
-        <pc:chgData name="Chenxi Qiu" userId="2835ca6ba4230f20" providerId="LiveId" clId="{4B5B707E-E00E-48F1-92A5-1740B72E747E}" dt="2018-10-29T14:28:02.130" v="1724" actId="2696"/>
-        <pc:sldMkLst>
-          <pc:docMk/>
-          <pc:sldMk cId="665519077" sldId="281"/>
-        </pc:sldMkLst>
-      </pc:sldChg>
-      <pc:sldChg chg="del">
-        <pc:chgData name="Chenxi Qiu" userId="2835ca6ba4230f20" providerId="LiveId" clId="{4B5B707E-E00E-48F1-92A5-1740B72E747E}" dt="2018-10-29T14:28:02.194" v="1726" actId="2696"/>
-        <pc:sldMkLst>
-          <pc:docMk/>
-          <pc:sldMk cId="143215586" sldId="283"/>
-        </pc:sldMkLst>
-      </pc:sldChg>
-      <pc:sldChg chg="del">
-        <pc:chgData name="Chenxi Qiu" userId="2835ca6ba4230f20" providerId="LiveId" clId="{4B5B707E-E00E-48F1-92A5-1740B72E747E}" dt="2018-10-29T14:28:02.235" v="1727" actId="2696"/>
-        <pc:sldMkLst>
-          <pc:docMk/>
-          <pc:sldMk cId="4198234599" sldId="284"/>
-        </pc:sldMkLst>
-      </pc:sldChg>
-      <pc:sldChg chg="del">
-        <pc:chgData name="Chenxi Qiu" userId="2835ca6ba4230f20" providerId="LiveId" clId="{4B5B707E-E00E-48F1-92A5-1740B72E747E}" dt="2018-10-29T14:28:02.272" v="1728" actId="2696"/>
-        <pc:sldMkLst>
-          <pc:docMk/>
-          <pc:sldMk cId="371235383" sldId="285"/>
-        </pc:sldMkLst>
-      </pc:sldChg>
-      <pc:sldChg chg="del">
-        <pc:chgData name="Chenxi Qiu" userId="2835ca6ba4230f20" providerId="LiveId" clId="{4B5B707E-E00E-48F1-92A5-1740B72E747E}" dt="2018-10-29T14:28:02.158" v="1725" actId="2696"/>
-        <pc:sldMkLst>
-          <pc:docMk/>
-          <pc:sldMk cId="1483425066" sldId="286"/>
-        </pc:sldMkLst>
-      </pc:sldChg>
-      <pc:sldChg chg="del">
-        <pc:chgData name="Chenxi Qiu" userId="2835ca6ba4230f20" providerId="LiveId" clId="{4B5B707E-E00E-48F1-92A5-1740B72E747E}" dt="2018-10-29T14:28:02.310" v="1729" actId="2696"/>
-        <pc:sldMkLst>
-          <pc:docMk/>
-          <pc:sldMk cId="1952862666" sldId="287"/>
-        </pc:sldMkLst>
-      </pc:sldChg>
-      <pc:sldChg chg="del">
-        <pc:chgData name="Chenxi Qiu" userId="2835ca6ba4230f20" providerId="LiveId" clId="{4B5B707E-E00E-48F1-92A5-1740B72E747E}" dt="2018-10-29T14:28:02.447" v="1730" actId="2696"/>
-        <pc:sldMkLst>
-          <pc:docMk/>
-          <pc:sldMk cId="1109222923" sldId="288"/>
-        </pc:sldMkLst>
-      </pc:sldChg>
-      <pc:sldChg chg="del">
-        <pc:chgData name="Chenxi Qiu" userId="2835ca6ba4230f20" providerId="LiveId" clId="{4B5B707E-E00E-48F1-92A5-1740B72E747E}" dt="2018-10-29T14:28:02.477" v="1731" actId="2696"/>
-        <pc:sldMkLst>
-          <pc:docMk/>
-          <pc:sldMk cId="1087031175" sldId="289"/>
-        </pc:sldMkLst>
-      </pc:sldChg>
-      <pc:sldChg chg="del">
-        <pc:chgData name="Chenxi Qiu" userId="2835ca6ba4230f20" providerId="LiveId" clId="{4B5B707E-E00E-48F1-92A5-1740B72E747E}" dt="2018-10-29T14:28:02.664" v="1735" actId="2696"/>
-        <pc:sldMkLst>
-          <pc:docMk/>
-          <pc:sldMk cId="944865855" sldId="291"/>
-        </pc:sldMkLst>
-      </pc:sldChg>
-      <pc:sldChg chg="del">
-        <pc:chgData name="Chenxi Qiu" userId="2835ca6ba4230f20" providerId="LiveId" clId="{4B5B707E-E00E-48F1-92A5-1740B72E747E}" dt="2018-10-29T14:28:02.526" v="1732" actId="2696"/>
-        <pc:sldMkLst>
-          <pc:docMk/>
-          <pc:sldMk cId="1552805499" sldId="292"/>
-        </pc:sldMkLst>
-      </pc:sldChg>
-      <pc:sldChg chg="del">
-        <pc:chgData name="Chenxi Qiu" userId="2835ca6ba4230f20" providerId="LiveId" clId="{4B5B707E-E00E-48F1-92A5-1740B72E747E}" dt="2018-10-29T14:28:02.559" v="1733" actId="2696"/>
-        <pc:sldMkLst>
-          <pc:docMk/>
-          <pc:sldMk cId="3732391554" sldId="293"/>
-        </pc:sldMkLst>
-      </pc:sldChg>
-      <pc:sldChg chg="del">
-        <pc:chgData name="Chenxi Qiu" userId="2835ca6ba4230f20" providerId="LiveId" clId="{4B5B707E-E00E-48F1-92A5-1740B72E747E}" dt="2018-10-29T14:28:01.749" v="1721" actId="2696"/>
-        <pc:sldMkLst>
-          <pc:docMk/>
-          <pc:sldMk cId="3585555396" sldId="294"/>
-        </pc:sldMkLst>
-      </pc:sldChg>
-      <pc:sldChg chg="del">
-        <pc:chgData name="Chenxi Qiu" userId="2835ca6ba4230f20" providerId="LiveId" clId="{4B5B707E-E00E-48F1-92A5-1740B72E747E}" dt="2018-10-29T14:28:02.645" v="1734" actId="2696"/>
-        <pc:sldMkLst>
-          <pc:docMk/>
-          <pc:sldMk cId="69129241" sldId="295"/>
-        </pc:sldMkLst>
-      </pc:sldChg>
-      <pc:sldChg chg="addSp delSp modSp add del">
-        <pc:chgData name="Chenxi Qiu" userId="2835ca6ba4230f20" providerId="LiveId" clId="{4B5B707E-E00E-48F1-92A5-1740B72E747E}" dt="2018-10-29T13:49:50.548" v="1206" actId="2696"/>
-        <pc:sldMkLst>
-          <pc:docMk/>
-          <pc:sldMk cId="2838776621" sldId="296"/>
-        </pc:sldMkLst>
-        <pc:spChg chg="mod">
-          <ac:chgData name="Chenxi Qiu" userId="2835ca6ba4230f20" providerId="LiveId" clId="{4B5B707E-E00E-48F1-92A5-1740B72E747E}" dt="2018-10-29T13:40:18.266" v="1076"/>
-          <ac:spMkLst>
-            <pc:docMk/>
-            <pc:sldMk cId="2838776621" sldId="296"/>
-            <ac:spMk id="2" creationId="{AC107962-5648-42C0-BC13-4E17C0F3BB1D}"/>
-          </ac:spMkLst>
-        </pc:spChg>
-        <pc:spChg chg="del">
-          <ac:chgData name="Chenxi Qiu" userId="2835ca6ba4230f20" providerId="LiveId" clId="{4B5B707E-E00E-48F1-92A5-1740B72E747E}" dt="2018-10-29T13:40:44.683" v="1079" actId="478"/>
-          <ac:spMkLst>
-            <pc:docMk/>
-            <pc:sldMk cId="2838776621" sldId="296"/>
-            <ac:spMk id="3" creationId="{E08B0FE8-EDA5-4EC2-AE15-F5673C804036}"/>
-          </ac:spMkLst>
-        </pc:spChg>
-        <pc:spChg chg="add mod">
-          <ac:chgData name="Chenxi Qiu" userId="2835ca6ba4230f20" providerId="LiveId" clId="{4B5B707E-E00E-48F1-92A5-1740B72E747E}" dt="2018-10-29T13:47:21.948" v="1171" actId="403"/>
-          <ac:spMkLst>
-            <pc:docMk/>
-            <pc:sldMk cId="2838776621" sldId="296"/>
-            <ac:spMk id="4" creationId="{6F91068F-C5CE-4336-8A73-B2BFFB6A4806}"/>
-          </ac:spMkLst>
-        </pc:spChg>
-        <pc:spChg chg="add del mod">
-          <ac:chgData name="Chenxi Qiu" userId="2835ca6ba4230f20" providerId="LiveId" clId="{4B5B707E-E00E-48F1-92A5-1740B72E747E}" dt="2018-10-29T13:44:00.859" v="1115" actId="478"/>
-          <ac:spMkLst>
-            <pc:docMk/>
-            <pc:sldMk cId="2838776621" sldId="296"/>
-            <ac:spMk id="5" creationId="{596210E7-E48A-4E1C-9C33-CC406822B14D}"/>
-          </ac:spMkLst>
-        </pc:spChg>
-        <pc:spChg chg="add del">
-          <ac:chgData name="Chenxi Qiu" userId="2835ca6ba4230f20" providerId="LiveId" clId="{4B5B707E-E00E-48F1-92A5-1740B72E747E}" dt="2018-10-29T13:40:42.203" v="1078"/>
-          <ac:spMkLst>
-            <pc:docMk/>
-            <pc:sldMk cId="2838776621" sldId="296"/>
-            <ac:spMk id="6" creationId="{27FD7446-14ED-4D03-B5D7-8C8961DFD022}"/>
-          </ac:spMkLst>
-        </pc:spChg>
-        <pc:spChg chg="add del">
-          <ac:chgData name="Chenxi Qiu" userId="2835ca6ba4230f20" providerId="LiveId" clId="{4B5B707E-E00E-48F1-92A5-1740B72E747E}" dt="2018-10-29T13:40:42.203" v="1078"/>
-          <ac:spMkLst>
-            <pc:docMk/>
-            <pc:sldMk cId="2838776621" sldId="296"/>
-            <ac:spMk id="8" creationId="{540468F5-88DE-42D1-803B-F58C9C4A76EB}"/>
-          </ac:spMkLst>
-        </pc:spChg>
-        <pc:spChg chg="add del">
-          <ac:chgData name="Chenxi Qiu" userId="2835ca6ba4230f20" providerId="LiveId" clId="{4B5B707E-E00E-48F1-92A5-1740B72E747E}" dt="2018-10-29T13:40:42.203" v="1078"/>
-          <ac:spMkLst>
-            <pc:docMk/>
-            <pc:sldMk cId="2838776621" sldId="296"/>
-            <ac:spMk id="10" creationId="{60A4035F-B438-4EBA-BB74-8F2AFF0F75DD}"/>
-          </ac:spMkLst>
-        </pc:spChg>
-        <pc:spChg chg="add del">
-          <ac:chgData name="Chenxi Qiu" userId="2835ca6ba4230f20" providerId="LiveId" clId="{4B5B707E-E00E-48F1-92A5-1740B72E747E}" dt="2018-10-29T13:40:42.203" v="1078"/>
-          <ac:spMkLst>
-            <pc:docMk/>
-            <pc:sldMk cId="2838776621" sldId="296"/>
-            <ac:spMk id="11" creationId="{011FAF8E-C3D3-4E10-BAB8-976439EAAE2A}"/>
-          </ac:spMkLst>
-        </pc:spChg>
-        <pc:spChg chg="add mod">
-          <ac:chgData name="Chenxi Qiu" userId="2835ca6ba4230f20" providerId="LiveId" clId="{4B5B707E-E00E-48F1-92A5-1740B72E747E}" dt="2018-10-29T13:49:10.743" v="1200" actId="2085"/>
-          <ac:spMkLst>
-            <pc:docMk/>
-            <pc:sldMk cId="2838776621" sldId="296"/>
-            <ac:spMk id="12" creationId="{E0E6AB4A-DC47-4828-8249-B7DB9CE79DD3}"/>
-          </ac:spMkLst>
-        </pc:spChg>
-        <pc:spChg chg="add mod">
-          <ac:chgData name="Chenxi Qiu" userId="2835ca6ba4230f20" providerId="LiveId" clId="{4B5B707E-E00E-48F1-92A5-1740B72E747E}" dt="2018-10-29T13:48:52.180" v="1198" actId="207"/>
-          <ac:spMkLst>
-            <pc:docMk/>
-            <pc:sldMk cId="2838776621" sldId="296"/>
-            <ac:spMk id="14" creationId="{0B9CC19A-77EA-4C87-9184-7FB361172B87}"/>
-          </ac:spMkLst>
-        </pc:spChg>
-        <pc:spChg chg="add mod">
-          <ac:chgData name="Chenxi Qiu" userId="2835ca6ba4230f20" providerId="LiveId" clId="{4B5B707E-E00E-48F1-92A5-1740B72E747E}" dt="2018-10-29T13:48:48.722" v="1197" actId="207"/>
-          <ac:spMkLst>
-            <pc:docMk/>
-            <pc:sldMk cId="2838776621" sldId="296"/>
-            <ac:spMk id="15" creationId="{ED8B8B94-B06A-4A0B-994C-D0CB3244920D}"/>
-          </ac:spMkLst>
-        </pc:spChg>
-        <pc:spChg chg="add del mod">
-          <ac:chgData name="Chenxi Qiu" userId="2835ca6ba4230f20" providerId="LiveId" clId="{4B5B707E-E00E-48F1-92A5-1740B72E747E}" dt="2018-10-29T13:42:03.026" v="1099"/>
-          <ac:spMkLst>
-            <pc:docMk/>
-            <pc:sldMk cId="2838776621" sldId="296"/>
-            <ac:spMk id="16" creationId="{6784DAC8-64FC-4EAF-9BC5-267580A446D2}"/>
-          </ac:spMkLst>
-        </pc:spChg>
-        <pc:spChg chg="add del mod">
-          <ac:chgData name="Chenxi Qiu" userId="2835ca6ba4230f20" providerId="LiveId" clId="{4B5B707E-E00E-48F1-92A5-1740B72E747E}" dt="2018-10-29T13:48:18.520" v="1191" actId="478"/>
-          <ac:spMkLst>
-            <pc:docMk/>
-            <pc:sldMk cId="2838776621" sldId="296"/>
-            <ac:spMk id="18" creationId="{737D18F4-F8F4-4C9D-A267-2C0A8A15F753}"/>
-          </ac:spMkLst>
-        </pc:spChg>
-        <pc:spChg chg="add del mod">
-          <ac:chgData name="Chenxi Qiu" userId="2835ca6ba4230f20" providerId="LiveId" clId="{4B5B707E-E00E-48F1-92A5-1740B72E747E}" dt="2018-10-29T13:48:18.520" v="1191" actId="478"/>
-          <ac:spMkLst>
-            <pc:docMk/>
-            <pc:sldMk cId="2838776621" sldId="296"/>
-            <ac:spMk id="19" creationId="{6C5B6757-3EBD-4BF9-B582-8F8A7CAC6740}"/>
-          </ac:spMkLst>
-        </pc:spChg>
-        <pc:spChg chg="add del mod">
-          <ac:chgData name="Chenxi Qiu" userId="2835ca6ba4230f20" providerId="LiveId" clId="{4B5B707E-E00E-48F1-92A5-1740B72E747E}" dt="2018-10-29T13:48:18.520" v="1191" actId="478"/>
-          <ac:spMkLst>
-            <pc:docMk/>
-            <pc:sldMk cId="2838776621" sldId="296"/>
-            <ac:spMk id="20" creationId="{DB69157E-1CC8-4C93-9ABF-B6C56AF6AC85}"/>
-          </ac:spMkLst>
-        </pc:spChg>
-        <pc:spChg chg="add del mod">
-          <ac:chgData name="Chenxi Qiu" userId="2835ca6ba4230f20" providerId="LiveId" clId="{4B5B707E-E00E-48F1-92A5-1740B72E747E}" dt="2018-10-29T13:48:18.520" v="1191" actId="478"/>
-          <ac:spMkLst>
-            <pc:docMk/>
-            <pc:sldMk cId="2838776621" sldId="296"/>
-            <ac:spMk id="21" creationId="{BDA19B41-B69A-47DE-AAEF-77811F31AD57}"/>
-          </ac:spMkLst>
-        </pc:spChg>
-        <pc:spChg chg="add del mod">
-          <ac:chgData name="Chenxi Qiu" userId="2835ca6ba4230f20" providerId="LiveId" clId="{4B5B707E-E00E-48F1-92A5-1740B72E747E}" dt="2018-10-29T13:44:29.715" v="1121" actId="478"/>
-          <ac:spMkLst>
-            <pc:docMk/>
-            <pc:sldMk cId="2838776621" sldId="296"/>
-            <ac:spMk id="22" creationId="{9CAC03C7-8EE5-473D-B730-D03AE0B9F21A}"/>
-          </ac:spMkLst>
-        </pc:spChg>
-        <pc:spChg chg="add del mod">
-          <ac:chgData name="Chenxi Qiu" userId="2835ca6ba4230f20" providerId="LiveId" clId="{4B5B707E-E00E-48F1-92A5-1740B72E747E}" dt="2018-10-29T13:44:47.402" v="1127" actId="478"/>
-          <ac:spMkLst>
-            <pc:docMk/>
-            <pc:sldMk cId="2838776621" sldId="296"/>
-            <ac:spMk id="23" creationId="{EF02179F-612A-435E-9A99-D94BF90FDDB0}"/>
-          </ac:spMkLst>
-        </pc:spChg>
-        <pc:spChg chg="add del mod">
-          <ac:chgData name="Chenxi Qiu" userId="2835ca6ba4230f20" providerId="LiveId" clId="{4B5B707E-E00E-48F1-92A5-1740B72E747E}" dt="2018-10-29T13:44:48.273" v="1128" actId="478"/>
-          <ac:spMkLst>
-            <pc:docMk/>
-            <pc:sldMk cId="2838776621" sldId="296"/>
-            <ac:spMk id="24" creationId="{F2D70392-49E9-4FC9-AA1D-2C9A7E9859E6}"/>
-          </ac:spMkLst>
-        </pc:spChg>
-        <pc:spChg chg="add del mod">
-          <ac:chgData name="Chenxi Qiu" userId="2835ca6ba4230f20" providerId="LiveId" clId="{4B5B707E-E00E-48F1-92A5-1740B72E747E}" dt="2018-10-29T13:45:43.852" v="1138" actId="478"/>
-          <ac:spMkLst>
-            <pc:docMk/>
-            <pc:sldMk cId="2838776621" sldId="296"/>
-            <ac:spMk id="25" creationId="{149F91B8-E117-4150-B915-538DE2275D90}"/>
-          </ac:spMkLst>
-        </pc:spChg>
-        <pc:spChg chg="add del mod">
-          <ac:chgData name="Chenxi Qiu" userId="2835ca6ba4230f20" providerId="LiveId" clId="{4B5B707E-E00E-48F1-92A5-1740B72E747E}" dt="2018-10-29T13:45:41.739" v="1137" actId="478"/>
-          <ac:spMkLst>
-            <pc:docMk/>
-            <pc:sldMk cId="2838776621" sldId="296"/>
-            <ac:spMk id="26" creationId="{1204E02C-55CB-4B56-B4BF-CA3DEFDEBC86}"/>
-          </ac:spMkLst>
-        </pc:spChg>
-        <pc:spChg chg="add mod">
-          <ac:chgData name="Chenxi Qiu" userId="2835ca6ba4230f20" providerId="LiveId" clId="{4B5B707E-E00E-48F1-92A5-1740B72E747E}" dt="2018-10-29T13:47:49.057" v="1180" actId="20577"/>
-          <ac:spMkLst>
-            <pc:docMk/>
-            <pc:sldMk cId="2838776621" sldId="296"/>
-            <ac:spMk id="27" creationId="{C193A68D-D4DB-4B15-A337-AA0762C181CD}"/>
-          </ac:spMkLst>
-        </pc:spChg>
-        <pc:spChg chg="add mod">
-          <ac:chgData name="Chenxi Qiu" userId="2835ca6ba4230f20" providerId="LiveId" clId="{4B5B707E-E00E-48F1-92A5-1740B72E747E}" dt="2018-10-29T13:47:55.973" v="1187" actId="20577"/>
-          <ac:spMkLst>
-            <pc:docMk/>
-            <pc:sldMk cId="2838776621" sldId="296"/>
-            <ac:spMk id="28" creationId="{15071EF6-D51C-4D40-B025-53F4D4528576}"/>
-          </ac:spMkLst>
-        </pc:spChg>
-        <pc:picChg chg="add del">
-          <ac:chgData name="Chenxi Qiu" userId="2835ca6ba4230f20" providerId="LiveId" clId="{4B5B707E-E00E-48F1-92A5-1740B72E747E}" dt="2018-10-29T13:40:42.203" v="1078"/>
-          <ac:picMkLst>
-            <pc:docMk/>
-            <pc:sldMk cId="2838776621" sldId="296"/>
-            <ac:picMk id="7" creationId="{498CC0BE-4B61-47A0-91C4-58326A545FBB}"/>
-          </ac:picMkLst>
-        </pc:picChg>
-        <pc:picChg chg="add mod">
-          <ac:chgData name="Chenxi Qiu" userId="2835ca6ba4230f20" providerId="LiveId" clId="{4B5B707E-E00E-48F1-92A5-1740B72E747E}" dt="2018-10-29T13:48:58.215" v="1199" actId="1076"/>
-          <ac:picMkLst>
-            <pc:docMk/>
-            <pc:sldMk cId="2838776621" sldId="296"/>
-            <ac:picMk id="13" creationId="{5D65331E-6EAD-49A1-9102-D4D7CF2C6B3A}"/>
-          </ac:picMkLst>
-        </pc:picChg>
-      </pc:sldChg>
-      <pc:sldChg chg="add del">
-        <pc:chgData name="Chenxi Qiu" userId="2835ca6ba4230f20" providerId="LiveId" clId="{4B5B707E-E00E-48F1-92A5-1740B72E747E}" dt="2018-10-29T13:49:27.403" v="1202" actId="2696"/>
-        <pc:sldMkLst>
-          <pc:docMk/>
-          <pc:sldMk cId="4144566608" sldId="297"/>
-        </pc:sldMkLst>
-      </pc:sldChg>
       <pc:sldChg chg="modSp add modNotesTx">
         <pc:chgData name="Chenxi Qiu" userId="2835ca6ba4230f20" providerId="LiveId" clId="{4B5B707E-E00E-48F1-92A5-1740B72E747E}" dt="2018-10-29T14:08:03.709" v="1479" actId="20577"/>
         <pc:sldMkLst>
@@ -1184,7 +788,7 @@
         </pc:spChg>
       </pc:sldChg>
       <pc:sldChg chg="addSp delSp modSp add del ord modNotesTx">
-        <pc:chgData name="Chenxi Qiu" userId="2835ca6ba4230f20" providerId="LiveId" clId="{4B5B707E-E00E-48F1-92A5-1740B72E747E}" dt="2018-10-29T14:09:08.642" v="1490" actId="207"/>
+        <pc:chgData name="Chenxi Qiu" userId="2835ca6ba4230f20" providerId="LiveId" clId="{4B5B707E-E00E-48F1-92A5-1740B72E747E}" dt="2018-10-31T14:24:41.441" v="1789" actId="403"/>
         <pc:sldMkLst>
           <pc:docMk/>
           <pc:sldMk cId="296451454" sldId="299"/>
@@ -1222,7 +826,7 @@
           </ac:spMkLst>
         </pc:spChg>
         <pc:spChg chg="mod ord">
-          <ac:chgData name="Chenxi Qiu" userId="2835ca6ba4230f20" providerId="LiveId" clId="{4B5B707E-E00E-48F1-92A5-1740B72E747E}" dt="2018-10-29T13:58:35.899" v="1328" actId="1076"/>
+          <ac:chgData name="Chenxi Qiu" userId="2835ca6ba4230f20" providerId="LiveId" clId="{4B5B707E-E00E-48F1-92A5-1740B72E747E}" dt="2018-10-31T14:24:41.441" v="1789" actId="403"/>
           <ac:spMkLst>
             <pc:docMk/>
             <pc:sldMk cId="296451454" sldId="299"/>
@@ -1230,7 +834,7 @@
           </ac:spMkLst>
         </pc:spChg>
         <pc:spChg chg="mod ord">
-          <ac:chgData name="Chenxi Qiu" userId="2835ca6ba4230f20" providerId="LiveId" clId="{4B5B707E-E00E-48F1-92A5-1740B72E747E}" dt="2018-10-29T13:58:35.899" v="1328" actId="1076"/>
+          <ac:chgData name="Chenxi Qiu" userId="2835ca6ba4230f20" providerId="LiveId" clId="{4B5B707E-E00E-48F1-92A5-1740B72E747E}" dt="2018-10-31T14:24:38.044" v="1787" actId="113"/>
           <ac:spMkLst>
             <pc:docMk/>
             <pc:sldMk cId="296451454" sldId="299"/>
@@ -1310,148 +914,8 @@
           </ac:picMkLst>
         </pc:picChg>
       </pc:sldChg>
-      <pc:sldChg chg="modSp add del">
-        <pc:chgData name="Chenxi Qiu" userId="2835ca6ba4230f20" providerId="LiveId" clId="{4B5B707E-E00E-48F1-92A5-1740B72E747E}" dt="2018-10-29T13:57:00.762" v="1311" actId="2696"/>
-        <pc:sldMkLst>
-          <pc:docMk/>
-          <pc:sldMk cId="2019848548" sldId="300"/>
-        </pc:sldMkLst>
-        <pc:spChg chg="mod">
-          <ac:chgData name="Chenxi Qiu" userId="2835ca6ba4230f20" providerId="LiveId" clId="{4B5B707E-E00E-48F1-92A5-1740B72E747E}" dt="2018-10-29T13:53:41.275" v="1252" actId="207"/>
-          <ac:spMkLst>
-            <pc:docMk/>
-            <pc:sldMk cId="2019848548" sldId="300"/>
-            <ac:spMk id="27" creationId="{C193A68D-D4DB-4B15-A337-AA0762C181CD}"/>
-          </ac:spMkLst>
-        </pc:spChg>
-        <pc:spChg chg="mod">
-          <ac:chgData name="Chenxi Qiu" userId="2835ca6ba4230f20" providerId="LiveId" clId="{4B5B707E-E00E-48F1-92A5-1740B72E747E}" dt="2018-10-29T13:53:41.275" v="1252" actId="207"/>
-          <ac:spMkLst>
-            <pc:docMk/>
-            <pc:sldMk cId="2019848548" sldId="300"/>
-            <ac:spMk id="28" creationId="{15071EF6-D51C-4D40-B025-53F4D4528576}"/>
-          </ac:spMkLst>
-        </pc:spChg>
-      </pc:sldChg>
-      <pc:sldChg chg="delSp modSp add del ord">
-        <pc:chgData name="Chenxi Qiu" userId="2835ca6ba4230f20" providerId="LiveId" clId="{4B5B707E-E00E-48F1-92A5-1740B72E747E}" dt="2018-10-29T13:58:51.103" v="1332" actId="2696"/>
-        <pc:sldMkLst>
-          <pc:docMk/>
-          <pc:sldMk cId="765594562" sldId="301"/>
-        </pc:sldMkLst>
-        <pc:spChg chg="mod">
-          <ac:chgData name="Chenxi Qiu" userId="2835ca6ba4230f20" providerId="LiveId" clId="{4B5B707E-E00E-48F1-92A5-1740B72E747E}" dt="2018-10-29T13:57:46.751" v="1323" actId="1076"/>
-          <ac:spMkLst>
-            <pc:docMk/>
-            <pc:sldMk cId="765594562" sldId="301"/>
-            <ac:spMk id="2" creationId="{AC107962-5648-42C0-BC13-4E17C0F3BB1D}"/>
-          </ac:spMkLst>
-        </pc:spChg>
-        <pc:spChg chg="del">
-          <ac:chgData name="Chenxi Qiu" userId="2835ca6ba4230f20" providerId="LiveId" clId="{4B5B707E-E00E-48F1-92A5-1740B72E747E}" dt="2018-10-29T13:57:07.482" v="1313" actId="478"/>
-          <ac:spMkLst>
-            <pc:docMk/>
-            <pc:sldMk cId="765594562" sldId="301"/>
-            <ac:spMk id="3" creationId="{531C2D02-9670-439D-A235-0880E8401F16}"/>
-          </ac:spMkLst>
-        </pc:spChg>
-        <pc:spChg chg="mod">
-          <ac:chgData name="Chenxi Qiu" userId="2835ca6ba4230f20" providerId="LiveId" clId="{4B5B707E-E00E-48F1-92A5-1740B72E747E}" dt="2018-10-29T13:57:59.479" v="1324" actId="1076"/>
-          <ac:spMkLst>
-            <pc:docMk/>
-            <pc:sldMk cId="765594562" sldId="301"/>
-            <ac:spMk id="12" creationId="{E0E6AB4A-DC47-4828-8249-B7DB9CE79DD3}"/>
-          </ac:spMkLst>
-        </pc:spChg>
-        <pc:spChg chg="mod">
-          <ac:chgData name="Chenxi Qiu" userId="2835ca6ba4230f20" providerId="LiveId" clId="{4B5B707E-E00E-48F1-92A5-1740B72E747E}" dt="2018-10-29T13:57:59.479" v="1324" actId="1076"/>
-          <ac:spMkLst>
-            <pc:docMk/>
-            <pc:sldMk cId="765594562" sldId="301"/>
-            <ac:spMk id="14" creationId="{0B9CC19A-77EA-4C87-9184-7FB361172B87}"/>
-          </ac:spMkLst>
-        </pc:spChg>
-        <pc:spChg chg="mod">
-          <ac:chgData name="Chenxi Qiu" userId="2835ca6ba4230f20" providerId="LiveId" clId="{4B5B707E-E00E-48F1-92A5-1740B72E747E}" dt="2018-10-29T13:57:59.479" v="1324" actId="1076"/>
-          <ac:spMkLst>
-            <pc:docMk/>
-            <pc:sldMk cId="765594562" sldId="301"/>
-            <ac:spMk id="15" creationId="{ED8B8B94-B06A-4A0B-994C-D0CB3244920D}"/>
-          </ac:spMkLst>
-        </pc:spChg>
-        <pc:spChg chg="del">
-          <ac:chgData name="Chenxi Qiu" userId="2835ca6ba4230f20" providerId="LiveId" clId="{4B5B707E-E00E-48F1-92A5-1740B72E747E}" dt="2018-10-29T13:57:04.608" v="1312" actId="478"/>
-          <ac:spMkLst>
-            <pc:docMk/>
-            <pc:sldMk cId="765594562" sldId="301"/>
-            <ac:spMk id="16" creationId="{DE18B67B-9465-4A07-8194-5DF1C86F5EE1}"/>
-          </ac:spMkLst>
-        </pc:spChg>
-        <pc:spChg chg="mod">
-          <ac:chgData name="Chenxi Qiu" userId="2835ca6ba4230f20" providerId="LiveId" clId="{4B5B707E-E00E-48F1-92A5-1740B72E747E}" dt="2018-10-29T13:57:59.479" v="1324" actId="1076"/>
-          <ac:spMkLst>
-            <pc:docMk/>
-            <pc:sldMk cId="765594562" sldId="301"/>
-            <ac:spMk id="19" creationId="{D11852AF-B357-440B-ABF1-0A859588D625}"/>
-          </ac:spMkLst>
-        </pc:spChg>
-        <pc:spChg chg="del">
-          <ac:chgData name="Chenxi Qiu" userId="2835ca6ba4230f20" providerId="LiveId" clId="{4B5B707E-E00E-48F1-92A5-1740B72E747E}" dt="2018-10-29T13:57:10.497" v="1316" actId="478"/>
-          <ac:spMkLst>
-            <pc:docMk/>
-            <pc:sldMk cId="765594562" sldId="301"/>
-            <ac:spMk id="20" creationId="{75C30A15-8AD6-471C-ADA0-E5222F466310}"/>
-          </ac:spMkLst>
-        </pc:spChg>
-        <pc:spChg chg="del mod">
-          <ac:chgData name="Chenxi Qiu" userId="2835ca6ba4230f20" providerId="LiveId" clId="{4B5B707E-E00E-48F1-92A5-1740B72E747E}" dt="2018-10-29T13:57:09.481" v="1315" actId="478"/>
-          <ac:spMkLst>
-            <pc:docMk/>
-            <pc:sldMk cId="765594562" sldId="301"/>
-            <ac:spMk id="21" creationId="{03DE068C-9118-4B62-AA79-79ABA99D8BCD}"/>
-          </ac:spMkLst>
-        </pc:spChg>
-        <pc:picChg chg="mod">
-          <ac:chgData name="Chenxi Qiu" userId="2835ca6ba4230f20" providerId="LiveId" clId="{4B5B707E-E00E-48F1-92A5-1740B72E747E}" dt="2018-10-29T13:57:59.479" v="1324" actId="1076"/>
-          <ac:picMkLst>
-            <pc:docMk/>
-            <pc:sldMk cId="765594562" sldId="301"/>
-            <ac:picMk id="13" creationId="{5D65331E-6EAD-49A1-9102-D4D7CF2C6B3A}"/>
-          </ac:picMkLst>
-        </pc:picChg>
-        <pc:picChg chg="del">
-          <ac:chgData name="Chenxi Qiu" userId="2835ca6ba4230f20" providerId="LiveId" clId="{4B5B707E-E00E-48F1-92A5-1740B72E747E}" dt="2018-10-29T13:57:10.988" v="1317" actId="478"/>
-          <ac:picMkLst>
-            <pc:docMk/>
-            <pc:sldMk cId="765594562" sldId="301"/>
-            <ac:picMk id="18" creationId="{40FFD7DF-1FB6-485B-B4CA-941E889FCBC0}"/>
-          </ac:picMkLst>
-        </pc:picChg>
-        <pc:picChg chg="del">
-          <ac:chgData name="Chenxi Qiu" userId="2835ca6ba4230f20" providerId="LiveId" clId="{4B5B707E-E00E-48F1-92A5-1740B72E747E}" dt="2018-10-29T13:57:13.904" v="1318" actId="478"/>
-          <ac:picMkLst>
-            <pc:docMk/>
-            <pc:sldMk cId="765594562" sldId="301"/>
-            <ac:picMk id="22" creationId="{7ED3842B-E6D5-4835-A435-44AF37800FF9}"/>
-          </ac:picMkLst>
-        </pc:picChg>
-      </pc:sldChg>
-      <pc:sldChg chg="add del">
-        <pc:chgData name="Chenxi Qiu" userId="2835ca6ba4230f20" providerId="LiveId" clId="{4B5B707E-E00E-48F1-92A5-1740B72E747E}" dt="2018-10-29T13:54:08.314" v="1254" actId="2696"/>
-        <pc:sldMkLst>
-          <pc:docMk/>
-          <pc:sldMk cId="2104798394" sldId="301"/>
-        </pc:sldMkLst>
-      </pc:sldChg>
-      <pc:sldChg chg="add del">
-        <pc:chgData name="Chenxi Qiu" userId="2835ca6ba4230f20" providerId="LiveId" clId="{4B5B707E-E00E-48F1-92A5-1740B72E747E}" dt="2018-10-29T13:59:31.207" v="1345" actId="2696"/>
-        <pc:sldMkLst>
-          <pc:docMk/>
-          <pc:sldMk cId="232087592" sldId="302"/>
-        </pc:sldMkLst>
-      </pc:sldChg>
       <pc:sldChg chg="addSp delSp modSp add modNotesTx">
-        <pc:chgData name="Chenxi Qiu" userId="2835ca6ba4230f20" providerId="LiveId" clId="{4B5B707E-E00E-48F1-92A5-1740B72E747E}" dt="2018-10-29T18:40:11.487" v="1741" actId="14100"/>
+        <pc:chgData name="Chenxi Qiu" userId="2835ca6ba4230f20" providerId="LiveId" clId="{4B5B707E-E00E-48F1-92A5-1740B72E747E}" dt="2018-10-31T14:24:31.590" v="1785" actId="113"/>
         <pc:sldMkLst>
           <pc:docMk/>
           <pc:sldMk cId="4098441916" sldId="303"/>
@@ -1462,6 +926,22 @@
             <pc:docMk/>
             <pc:sldMk cId="4098441916" sldId="303"/>
             <ac:spMk id="4" creationId="{6F91068F-C5CE-4336-8A73-B2BFFB6A4806}"/>
+          </ac:spMkLst>
+        </pc:spChg>
+        <pc:spChg chg="mod">
+          <ac:chgData name="Chenxi Qiu" userId="2835ca6ba4230f20" providerId="LiveId" clId="{4B5B707E-E00E-48F1-92A5-1740B72E747E}" dt="2018-10-31T14:24:29.371" v="1784" actId="113"/>
+          <ac:spMkLst>
+            <pc:docMk/>
+            <pc:sldMk cId="4098441916" sldId="303"/>
+            <ac:spMk id="14" creationId="{0B9CC19A-77EA-4C87-9184-7FB361172B87}"/>
+          </ac:spMkLst>
+        </pc:spChg>
+        <pc:spChg chg="mod">
+          <ac:chgData name="Chenxi Qiu" userId="2835ca6ba4230f20" providerId="LiveId" clId="{4B5B707E-E00E-48F1-92A5-1740B72E747E}" dt="2018-10-31T14:24:31.590" v="1785" actId="113"/>
+          <ac:spMkLst>
+            <pc:docMk/>
+            <pc:sldMk cId="4098441916" sldId="303"/>
+            <ac:spMk id="15" creationId="{ED8B8B94-B06A-4A0B-994C-D0CB3244920D}"/>
           </ac:spMkLst>
         </pc:spChg>
         <pc:spChg chg="del">
@@ -2130,13 +1610,13 @@
     </pc:docChg>
   </pc:docChgLst>
   <pc:docChgLst>
+    <pc:chgData name="邱晨曦" userId="2835ca6ba4230f20" providerId="LiveId" clId="{AD9EB2E2-D2D7-4AE1-B785-FCA0E14A68F3}"/>
+  </pc:docChgLst>
+  <pc:docChgLst>
     <pc:chgData name="Chenxi Qiu" userId="2835ca6ba4230f20" providerId="LiveId" clId="{AD9EB2E2-D2D7-4AE1-B785-FCA0E14A68F3}"/>
   </pc:docChgLst>
   <pc:docChgLst>
     <pc:chgData name="Chenxi Qiu" userId="2835ca6ba4230f20" providerId="LiveId" clId="{F793DC24-2C81-4B49-8B25-55ABC7D1497A}"/>
-  </pc:docChgLst>
-  <pc:docChgLst>
-    <pc:chgData name="邱晨曦" userId="2835ca6ba4230f20" providerId="LiveId" clId="{AD9EB2E2-D2D7-4AE1-B785-FCA0E14A68F3}"/>
   </pc:docChgLst>
 </pc:chgInfo>
 </file>
@@ -2382,7 +1862,7 @@
           <a:p>
             <a:fld id="{C61E236C-ED45-4AC6-9CA2-4EC327F175CB}" type="slidenum">
               <a:rPr lang="en-GB" smtClean="0"/>
-              <a:t>‹nr.›</a:t>
+              <a:t>‹#›</a:t>
             </a:fld>
             <a:endParaRPr lang="en-GB"/>
           </a:p>
@@ -4206,7 +3686,7 @@
           <a:p>
             <a:fld id="{B0CDDA0C-7CB0-4FC8-AC69-DD30E68A80BE}" type="slidenum">
               <a:rPr lang="en-GB" smtClean="0"/>
-              <a:t>‹nr.›</a:t>
+              <a:t>‹#›</a:t>
             </a:fld>
             <a:endParaRPr lang="en-GB"/>
           </a:p>
@@ -4406,7 +3886,7 @@
           <a:p>
             <a:fld id="{B0CDDA0C-7CB0-4FC8-AC69-DD30E68A80BE}" type="slidenum">
               <a:rPr lang="en-GB" smtClean="0"/>
-              <a:t>‹nr.›</a:t>
+              <a:t>‹#›</a:t>
             </a:fld>
             <a:endParaRPr lang="en-GB"/>
           </a:p>
@@ -4616,7 +4096,7 @@
           <a:p>
             <a:fld id="{B0CDDA0C-7CB0-4FC8-AC69-DD30E68A80BE}" type="slidenum">
               <a:rPr lang="en-GB" smtClean="0"/>
-              <a:t>‹nr.›</a:t>
+              <a:t>‹#›</a:t>
             </a:fld>
             <a:endParaRPr lang="en-GB"/>
           </a:p>
@@ -4816,7 +4296,7 @@
           <a:p>
             <a:fld id="{B0CDDA0C-7CB0-4FC8-AC69-DD30E68A80BE}" type="slidenum">
               <a:rPr lang="en-GB" smtClean="0"/>
-              <a:t>‹nr.›</a:t>
+              <a:t>‹#›</a:t>
             </a:fld>
             <a:endParaRPr lang="en-GB"/>
           </a:p>
@@ -5092,7 +4572,7 @@
           <a:p>
             <a:fld id="{B0CDDA0C-7CB0-4FC8-AC69-DD30E68A80BE}" type="slidenum">
               <a:rPr lang="en-GB" smtClean="0"/>
-              <a:t>‹nr.›</a:t>
+              <a:t>‹#›</a:t>
             </a:fld>
             <a:endParaRPr lang="en-GB"/>
           </a:p>
@@ -5360,7 +4840,7 @@
           <a:p>
             <a:fld id="{B0CDDA0C-7CB0-4FC8-AC69-DD30E68A80BE}" type="slidenum">
               <a:rPr lang="en-GB" smtClean="0"/>
-              <a:t>‹nr.›</a:t>
+              <a:t>‹#›</a:t>
             </a:fld>
             <a:endParaRPr lang="en-GB"/>
           </a:p>
@@ -5775,7 +5255,7 @@
           <a:p>
             <a:fld id="{B0CDDA0C-7CB0-4FC8-AC69-DD30E68A80BE}" type="slidenum">
               <a:rPr lang="en-GB" smtClean="0"/>
-              <a:t>‹nr.›</a:t>
+              <a:t>‹#›</a:t>
             </a:fld>
             <a:endParaRPr lang="en-GB"/>
           </a:p>
@@ -5917,7 +5397,7 @@
           <a:p>
             <a:fld id="{B0CDDA0C-7CB0-4FC8-AC69-DD30E68A80BE}" type="slidenum">
               <a:rPr lang="en-GB" smtClean="0"/>
-              <a:t>‹nr.›</a:t>
+              <a:t>‹#›</a:t>
             </a:fld>
             <a:endParaRPr lang="en-GB"/>
           </a:p>
@@ -6030,7 +5510,7 @@
           <a:p>
             <a:fld id="{B0CDDA0C-7CB0-4FC8-AC69-DD30E68A80BE}" type="slidenum">
               <a:rPr lang="en-GB" smtClean="0"/>
-              <a:t>‹nr.›</a:t>
+              <a:t>‹#›</a:t>
             </a:fld>
             <a:endParaRPr lang="en-GB"/>
           </a:p>
@@ -6343,7 +5823,7 @@
           <a:p>
             <a:fld id="{B0CDDA0C-7CB0-4FC8-AC69-DD30E68A80BE}" type="slidenum">
               <a:rPr lang="en-GB" smtClean="0"/>
-              <a:t>‹nr.›</a:t>
+              <a:t>‹#›</a:t>
             </a:fld>
             <a:endParaRPr lang="en-GB"/>
           </a:p>
@@ -6636,7 +6116,7 @@
           <a:p>
             <a:fld id="{B0CDDA0C-7CB0-4FC8-AC69-DD30E68A80BE}" type="slidenum">
               <a:rPr lang="en-GB" smtClean="0"/>
-              <a:t>‹nr.›</a:t>
+              <a:t>‹#›</a:t>
             </a:fld>
             <a:endParaRPr lang="en-GB"/>
           </a:p>
@@ -6918,7 +6398,7 @@
           <a:p>
             <a:fld id="{B0CDDA0C-7CB0-4FC8-AC69-DD30E68A80BE}" type="slidenum">
               <a:rPr lang="en-GB" smtClean="0"/>
-              <a:t>‹nr.›</a:t>
+              <a:t>‹#›</a:t>
             </a:fld>
             <a:endParaRPr lang="en-GB"/>
           </a:p>
@@ -12748,7 +12228,7 @@
         </p:blipFill>
         <p:spPr>
           <a:xfrm>
-            <a:off x="8424615" y="3669943"/>
+            <a:off x="8424615" y="3863103"/>
             <a:ext cx="1185283" cy="1346913"/>
           </a:xfrm>
           <a:prstGeom prst="rect">
@@ -14369,9 +13849,10 @@
           <a:p>
             <a:pPr algn="ctr"/>
             <a:r>
-              <a:rPr lang="nl-NL" sz="2000" dirty="0"/>
+              <a:rPr lang="nl-NL" sz="2400" b="1" dirty="0"/>
               <a:t>E</a:t>
             </a:r>
+            <a:endParaRPr lang="nl-NL" sz="2000" b="1" dirty="0"/>
           </a:p>
           <a:p>
             <a:pPr algn="ctr"/>
@@ -14431,7 +13912,7 @@
           <a:p>
             <a:pPr algn="ctr"/>
             <a:r>
-              <a:rPr lang="nl-NL" sz="2000" dirty="0"/>
+              <a:rPr lang="nl-NL" sz="2400" b="1" dirty="0"/>
               <a:t>C</a:t>
             </a:r>
           </a:p>
@@ -14999,9 +14480,10 @@
           <a:p>
             <a:pPr algn="ctr"/>
             <a:r>
-              <a:rPr lang="nl-NL" sz="2000" dirty="0"/>
+              <a:rPr lang="nl-NL" sz="2400" b="1" dirty="0"/>
               <a:t>E</a:t>
             </a:r>
+            <a:endParaRPr lang="nl-NL" sz="2000" b="1" dirty="0"/>
           </a:p>
           <a:p>
             <a:pPr algn="ctr"/>
@@ -15061,9 +14543,10 @@
           <a:p>
             <a:pPr algn="ctr"/>
             <a:r>
-              <a:rPr lang="nl-NL" sz="2000" dirty="0"/>
+              <a:rPr lang="nl-NL" sz="2400" b="1" dirty="0"/>
               <a:t>C</a:t>
             </a:r>
+            <a:endParaRPr lang="nl-NL" sz="2000" b="1" dirty="0"/>
           </a:p>
           <a:p>
             <a:pPr algn="ctr"/>
